--- a/spring16/slidesS16/predicate-logic4.pptx
+++ b/spring16/slidesS16/predicate-logic4.pptx
@@ -20,7 +20,7 @@
     <p:sldId id="299" r:id="rId8"/>
   </p:sldIdLst>
   <p:sldSz cx="9144000" cy="6858000" type="screen4x3"/>
-  <p:notesSz cx="7315200" cy="9601200"/>
+  <p:notesSz cx="9601200" cy="7315200"/>
   <p:custDataLst>
     <p:tags r:id="rId12"/>
   </p:custDataLst>
@@ -190,7 +190,7 @@
         <p:spPr bwMode="auto">
           <a:xfrm>
             <a:off x="0" y="0"/>
-            <a:ext cx="3168650" cy="479425"/>
+            <a:ext cx="4158853" cy="365276"/>
           </a:xfrm>
           <a:prstGeom prst="rect">
             <a:avLst/>
@@ -232,8 +232,8 @@
         </p:nvSpPr>
         <p:spPr bwMode="auto">
           <a:xfrm>
-            <a:off x="4146550" y="0"/>
-            <a:ext cx="3168650" cy="479425"/>
+            <a:off x="5442347" y="0"/>
+            <a:ext cx="4158853" cy="365276"/>
           </a:xfrm>
           <a:prstGeom prst="rect">
             <a:avLst/>
@@ -275,8 +275,8 @@
         </p:nvSpPr>
         <p:spPr bwMode="auto">
           <a:xfrm>
-            <a:off x="0" y="9121775"/>
-            <a:ext cx="3168650" cy="479425"/>
+            <a:off x="0" y="6949924"/>
+            <a:ext cx="4158853" cy="365276"/>
           </a:xfrm>
           <a:prstGeom prst="rect">
             <a:avLst/>
@@ -318,8 +318,8 @@
         </p:nvSpPr>
         <p:spPr bwMode="auto">
           <a:xfrm>
-            <a:off x="4146550" y="9121775"/>
-            <a:ext cx="3168650" cy="479425"/>
+            <a:off x="5442347" y="6949924"/>
+            <a:ext cx="4158853" cy="365276"/>
           </a:xfrm>
           <a:prstGeom prst="rect">
             <a:avLst/>
@@ -403,7 +403,7 @@
         <p:spPr bwMode="auto">
           <a:xfrm>
             <a:off x="0" y="0"/>
-            <a:ext cx="3170238" cy="479425"/>
+            <a:ext cx="4160937" cy="365276"/>
           </a:xfrm>
           <a:prstGeom prst="rect">
             <a:avLst/>
@@ -445,8 +445,8 @@
         </p:nvSpPr>
         <p:spPr bwMode="auto">
           <a:xfrm>
-            <a:off x="4143375" y="0"/>
-            <a:ext cx="3170238" cy="479425"/>
+            <a:off x="5438180" y="0"/>
+            <a:ext cx="4160937" cy="365276"/>
           </a:xfrm>
           <a:prstGeom prst="rect">
             <a:avLst/>
@@ -488,8 +488,8 @@
         </p:nvSpPr>
         <p:spPr bwMode="auto">
           <a:xfrm>
-            <a:off x="1257300" y="720725"/>
-            <a:ext cx="4800600" cy="3600450"/>
+            <a:off x="2971800" y="549275"/>
+            <a:ext cx="3657600" cy="2743200"/>
           </a:xfrm>
           <a:prstGeom prst="rect">
             <a:avLst/>
@@ -518,8 +518,8 @@
         </p:nvSpPr>
         <p:spPr bwMode="auto">
           <a:xfrm>
-            <a:off x="731838" y="4560888"/>
-            <a:ext cx="5851525" cy="4319587"/>
+            <a:off x="960538" y="3474963"/>
+            <a:ext cx="7680127" cy="3291114"/>
           </a:xfrm>
           <a:prstGeom prst="rect">
             <a:avLst/>
@@ -589,8 +589,8 @@
         </p:nvSpPr>
         <p:spPr bwMode="auto">
           <a:xfrm>
-            <a:off x="0" y="9120188"/>
-            <a:ext cx="3170238" cy="479425"/>
+            <a:off x="0" y="6948715"/>
+            <a:ext cx="4160937" cy="365276"/>
           </a:xfrm>
           <a:prstGeom prst="rect">
             <a:avLst/>
@@ -632,8 +632,8 @@
         </p:nvSpPr>
         <p:spPr bwMode="auto">
           <a:xfrm>
-            <a:off x="4143375" y="9120188"/>
-            <a:ext cx="3170238" cy="479425"/>
+            <a:off x="5438180" y="6948715"/>
+            <a:ext cx="4160937" cy="365276"/>
           </a:xfrm>
           <a:prstGeom prst="rect">
             <a:avLst/>
@@ -2108,22 +2108,7 @@
                 <a:uFillTx/>
                 <a:latin typeface="Comic Sans MS" pitchFamily="66" charset="0"/>
               </a:rPr>
-              <a:t>Albert R Meyer,        February 17, </a:t>
-            </a:r>
-            <a:r>
-              <a:rPr kumimoji="0" lang="en-US" sz="1200" b="0" i="0" u="none" strike="noStrike" kern="1200" cap="none" spc="0" normalizeH="0" baseline="0" noProof="0" dirty="0" smtClean="0">
-                <a:ln>
-                  <a:noFill/>
-                </a:ln>
-                <a:solidFill>
-                  <a:schemeClr val="tx1"/>
-                </a:solidFill>
-                <a:effectLst/>
-                <a:uLnTx/>
-                <a:uFillTx/>
-                <a:latin typeface="Comic Sans MS" pitchFamily="66" charset="0"/>
-              </a:rPr>
-              <a:t>2016</a:t>
+              <a:t>Albert R Meyer,        February 17, 2016</a:t>
             </a:r>
             <a:endParaRPr kumimoji="0" lang="en-US" sz="1200" b="0" i="0" u="none" strike="noStrike" kern="1200" cap="none" spc="0" normalizeH="0" baseline="0" noProof="0" dirty="0">
               <a:ln>
@@ -2614,11 +2599,7 @@
             </a:r>
             <a:r>
               <a:rPr lang="en-US" sz="5400" b="0" dirty="0" err="1" smtClean="0"/>
-              <a:t>Logic,</a:t>
-            </a:r>
-            <a:r>
-              <a:rPr lang="en-US" sz="5400" b="0" dirty="0" err="1" smtClean="0"/>
-              <a:t>IV</a:t>
+              <a:t>Logic,IV</a:t>
             </a:r>
             <a:endParaRPr lang="en-US" sz="5400" dirty="0">
               <a:solidFill>
@@ -4336,13 +4317,13 @@
   <p:clrMapOvr>
     <a:masterClrMapping/>
   </p:clrMapOvr>
-  <mc:AlternateContent xmlns:mc="http://schemas.openxmlformats.org/markup-compatibility/2006">
-    <mc:Choice xmlns:p14="http://schemas.microsoft.com/office/powerpoint/2010/main" Requires="p14">
+  <mc:AlternateContent xmlns:mc="http://schemas.openxmlformats.org/markup-compatibility/2006" xmlns:p14="http://schemas.microsoft.com/office/powerpoint/2010/main">
+    <mc:Choice Requires="p14">
       <p:transition spd="med" p14:dur="700">
         <p:fade/>
       </p:transition>
     </mc:Choice>
-    <mc:Fallback>
+    <mc:Fallback xmlns="">
       <p:transition xmlns:p14="http://schemas.microsoft.com/office/powerpoint/2010/main" spd="med">
         <p:fade/>
       </p:transition>

--- a/spring16/slidesS16/predicate-logic4.pptx
+++ b/spring16/slidesS16/predicate-logic4.pptx
@@ -5,10 +5,10 @@
     <p:sldMasterId id="2147483650" r:id="rId1"/>
   </p:sldMasterIdLst>
   <p:notesMasterIdLst>
-    <p:notesMasterId r:id="rId9"/>
+    <p:notesMasterId r:id="rId11"/>
   </p:notesMasterIdLst>
   <p:handoutMasterIdLst>
-    <p:handoutMasterId r:id="rId10"/>
+    <p:handoutMasterId r:id="rId12"/>
   </p:handoutMasterIdLst>
   <p:sldIdLst>
     <p:sldId id="256" r:id="rId2"/>
@@ -16,13 +16,15 @@
     <p:sldId id="296" r:id="rId4"/>
     <p:sldId id="297" r:id="rId5"/>
     <p:sldId id="298" r:id="rId6"/>
-    <p:sldId id="300" r:id="rId7"/>
-    <p:sldId id="299" r:id="rId8"/>
+    <p:sldId id="341" r:id="rId7"/>
+    <p:sldId id="342" r:id="rId8"/>
+    <p:sldId id="300" r:id="rId9"/>
+    <p:sldId id="299" r:id="rId10"/>
   </p:sldIdLst>
   <p:sldSz cx="9144000" cy="6858000" type="screen4x3"/>
   <p:notesSz cx="9601200" cy="7315200"/>
   <p:custDataLst>
-    <p:tags r:id="rId12"/>
+    <p:tags r:id="rId14"/>
   </p:custDataLst>
   <p:defaultTextStyle>
     <a:defPPr>
@@ -1281,7 +1283,7 @@
             <a:fld id="{E2E5D870-E2E4-4BD1-9265-CA8EFFF0A491}" type="slidenum">
               <a:rPr lang="en-US" smtClean="0"/>
               <a:pPr/>
-              <a:t>6</a:t>
+              <a:t>8</a:t>
             </a:fld>
             <a:endParaRPr lang="en-US"/>
           </a:p>
@@ -1363,7 +1365,7 @@
             <a:fld id="{E2E5D870-E2E4-4BD1-9265-CA8EFFF0A491}" type="slidenum">
               <a:rPr lang="en-US" smtClean="0"/>
               <a:pPr/>
-              <a:t>7</a:t>
+              <a:t>9</a:t>
             </a:fld>
             <a:endParaRPr lang="en-US"/>
           </a:p>
@@ -2594,14 +2596,14 @@
               </a:lnSpc>
             </a:pPr>
             <a:r>
-              <a:rPr lang="en-US" sz="5400" b="0" dirty="0" smtClean="0"/>
+              <a:rPr lang="en-US" sz="4800" b="0" dirty="0" smtClean="0"/>
               <a:t>Predicate </a:t>
             </a:r>
             <a:r>
-              <a:rPr lang="en-US" sz="5400" b="0" dirty="0" err="1" smtClean="0"/>
+              <a:rPr lang="en-US" sz="4800" b="0" dirty="0" err="1" smtClean="0"/>
               <a:t>Logic,IV</a:t>
             </a:r>
-            <a:endParaRPr lang="en-US" sz="5400" dirty="0">
+            <a:endParaRPr lang="en-US" sz="4800" dirty="0">
               <a:solidFill>
                 <a:srgbClr val="0000FF"/>
               </a:solidFill>
@@ -2701,8 +2703,8 @@
         </p:nvSpPr>
         <p:spPr>
           <a:xfrm flipH="1">
-            <a:off x="207875" y="2624104"/>
-            <a:ext cx="8728249" cy="2308324"/>
+            <a:off x="219745" y="2351094"/>
+            <a:ext cx="8728249" cy="2554545"/>
           </a:xfrm>
           <a:prstGeom prst="rect">
             <a:avLst/>
@@ -2717,14 +2719,14 @@
           <a:p>
             <a:pPr algn="ctr"/>
             <a:r>
-              <a:rPr lang="en-US" sz="7200" dirty="0">
+              <a:rPr lang="en-US" sz="8000" dirty="0">
                 <a:latin typeface="Comic Sans MS"/>
                 <a:cs typeface="Comic Sans MS"/>
               </a:rPr>
               <a:t>Power &amp; </a:t>
             </a:r>
             <a:r>
-              <a:rPr lang="en-US" sz="7200" dirty="0" smtClean="0">
+              <a:rPr lang="en-US" sz="8000" dirty="0" smtClean="0">
                 <a:latin typeface="Comic Sans MS"/>
                 <a:cs typeface="Comic Sans MS"/>
               </a:rPr>
@@ -2734,27 +2736,27 @@
           <a:p>
             <a:pPr algn="ctr"/>
             <a:r>
-              <a:rPr lang="en-US" sz="7200" dirty="0" smtClean="0">
+              <a:rPr lang="en-US" sz="8000" dirty="0" smtClean="0">
                 <a:latin typeface="Comic Sans MS"/>
                 <a:cs typeface="Comic Sans MS"/>
               </a:rPr>
               <a:t> </a:t>
             </a:r>
             <a:r>
-              <a:rPr lang="en-US" sz="7200" dirty="0">
+              <a:rPr lang="en-US" sz="8000" dirty="0">
                 <a:latin typeface="Comic Sans MS"/>
                 <a:cs typeface="Comic Sans MS"/>
               </a:rPr>
               <a:t>of </a:t>
             </a:r>
             <a:r>
-              <a:rPr lang="en-US" sz="7200" dirty="0" smtClean="0">
+              <a:rPr lang="en-US" sz="8000" dirty="0" smtClean="0">
                 <a:latin typeface="Comic Sans MS"/>
                 <a:cs typeface="Comic Sans MS"/>
               </a:rPr>
               <a:t>Formal Logic</a:t>
             </a:r>
-            <a:endParaRPr lang="en-US" sz="3200" dirty="0">
+            <a:endParaRPr lang="en-US" sz="3600" dirty="0">
               <a:latin typeface="Comic Sans MS"/>
               <a:cs typeface="Comic Sans MS"/>
             </a:endParaRPr>
@@ -3232,8 +3234,8 @@
         </p:nvSpPr>
         <p:spPr>
           <a:xfrm>
-            <a:off x="1650999" y="363538"/>
-            <a:ext cx="7333271" cy="1009048"/>
+            <a:off x="1317519" y="273014"/>
+            <a:ext cx="7826481" cy="1080187"/>
           </a:xfrm>
         </p:spPr>
         <p:txBody>
@@ -3241,21 +3243,21 @@
           <a:lstStyle/>
           <a:p>
             <a:r>
-              <a:rPr lang="en-US" sz="3600" dirty="0"/>
+              <a:rPr lang="en-US" sz="4000" dirty="0"/>
               <a:t>G</a:t>
             </a:r>
             <a:r>
-              <a:rPr lang="en-US" sz="3600" dirty="0">
+              <a:rPr lang="en-US" sz="4000" dirty="0">
                 <a:cs typeface="Times New Roman" pitchFamily="18" charset="0"/>
               </a:rPr>
               <a:t>ö</a:t>
             </a:r>
             <a:r>
-              <a:rPr lang="en-US" sz="3600" dirty="0"/>
+              <a:rPr lang="en-US" sz="4000" dirty="0"/>
               <a:t>del's </a:t>
             </a:r>
             <a:r>
-              <a:rPr lang="en-US" sz="3600" dirty="0">
+              <a:rPr lang="en-US" sz="4000" dirty="0">
                 <a:solidFill>
                   <a:srgbClr val="008000"/>
                 </a:solidFill>
@@ -3263,10 +3265,10 @@
               <a:t>Completeness</a:t>
             </a:r>
             <a:r>
-              <a:rPr lang="en-US" sz="3600" dirty="0"/>
+              <a:rPr lang="en-US" sz="4000" dirty="0"/>
               <a:t> Theorem</a:t>
             </a:r>
-            <a:endParaRPr lang="en-US" sz="4000" dirty="0">
+            <a:endParaRPr lang="en-US" sz="4400" dirty="0">
               <a:solidFill>
                 <a:srgbClr val="006600"/>
               </a:solidFill>
@@ -3284,8 +3286,8 @@
         </p:nvSpPr>
         <p:spPr bwMode="auto">
           <a:xfrm>
-            <a:off x="433728" y="1718994"/>
-            <a:ext cx="8276544" cy="3416320"/>
+            <a:off x="362507" y="1659644"/>
+            <a:ext cx="8551517" cy="3785652"/>
           </a:xfrm>
           <a:prstGeom prst="rect">
             <a:avLst/>
@@ -3307,24 +3309,42 @@
           <a:p>
             <a:r>
               <a:rPr lang="en-US" sz="4400" dirty="0" err="1">
+                <a:solidFill>
+                  <a:srgbClr val="800000"/>
+                </a:solidFill>
                 <a:latin typeface="Comic Sans MS" pitchFamily="66" charset="0"/>
               </a:rPr>
               <a:t>Thm</a:t>
+            </a:r>
+            <a:r>
+              <a:rPr lang="en-US" sz="4400" dirty="0">
+                <a:solidFill>
+                  <a:srgbClr val="800000"/>
+                </a:solidFill>
+                <a:latin typeface="Comic Sans MS" pitchFamily="66" charset="0"/>
+              </a:rPr>
+              <a:t> </a:t>
+            </a:r>
+            <a:r>
+              <a:rPr lang="en-US" sz="4400" dirty="0" smtClean="0">
+                <a:solidFill>
+                  <a:srgbClr val="800000"/>
+                </a:solidFill>
+                <a:latin typeface="Comic Sans MS" pitchFamily="66" charset="0"/>
+              </a:rPr>
+              <a:t>1</a:t>
             </a:r>
             <a:r>
               <a:rPr lang="en-US" sz="4400" dirty="0">
                 <a:latin typeface="Comic Sans MS" pitchFamily="66" charset="0"/>
               </a:rPr>
-              <a:t> 1,</a:t>
-            </a:r>
-            <a:r>
-              <a:rPr lang="en-US" sz="4400" dirty="0">
-                <a:solidFill>
-                  <a:srgbClr val="008000"/>
-                </a:solidFill>
+              <a:t> </a:t>
+            </a:r>
+            <a:r>
+              <a:rPr lang="en-US" sz="4400" dirty="0" smtClean="0">
                 <a:latin typeface="Comic Sans MS" pitchFamily="66" charset="0"/>
               </a:rPr>
-              <a:t> good </a:t>
+              <a:t>(</a:t>
             </a:r>
             <a:r>
               <a:rPr lang="en-US" sz="4400" dirty="0" smtClean="0">
@@ -3333,58 +3353,25 @@
                 </a:solidFill>
                 <a:latin typeface="Comic Sans MS" pitchFamily="66" charset="0"/>
               </a:rPr>
-              <a:t>news</a:t>
+              <a:t>Good News)</a:t>
             </a:r>
             <a:r>
               <a:rPr lang="en-US" sz="4400" dirty="0" smtClean="0">
                 <a:latin typeface="Comic Sans MS" pitchFamily="66" charset="0"/>
               </a:rPr>
-              <a:t>: only </a:t>
-            </a:r>
-            <a:r>
-              <a:rPr lang="en-US" sz="4400" dirty="0">
+              <a:t>: </a:t>
+            </a:r>
+            <a:r>
+              <a:rPr lang="en-US" sz="4800" dirty="0" smtClean="0">
                 <a:latin typeface="Comic Sans MS" pitchFamily="66" charset="0"/>
               </a:rPr>
-              <a:t>need to </a:t>
-            </a:r>
-            <a:r>
-              <a:rPr lang="en-US" sz="4400" dirty="0" smtClean="0">
+              <a:t>A simple proof system to prove all valid predicate </a:t>
+            </a:r>
+            <a:r>
+              <a:rPr lang="en-US" sz="4800" dirty="0" smtClean="0">
                 <a:latin typeface="Comic Sans MS" pitchFamily="66" charset="0"/>
               </a:rPr>
-              <a:t>know </a:t>
-            </a:r>
-            <a:r>
-              <a:rPr lang="en-US" sz="4400" dirty="0">
-                <a:latin typeface="Comic Sans MS" pitchFamily="66" charset="0"/>
-              </a:rPr>
-              <a:t>a few axioms &amp; </a:t>
-            </a:r>
-            <a:r>
-              <a:rPr lang="en-US" sz="4400" dirty="0" smtClean="0">
-                <a:latin typeface="Comic Sans MS" pitchFamily="66" charset="0"/>
-              </a:rPr>
-              <a:t>rules </a:t>
-            </a:r>
-            <a:r>
-              <a:rPr lang="en-US" sz="4400" dirty="0">
-                <a:latin typeface="Comic Sans MS" pitchFamily="66" charset="0"/>
-              </a:rPr>
-              <a:t>to prove </a:t>
-            </a:r>
-            <a:r>
-              <a:rPr lang="en-US" sz="4400" dirty="0" smtClean="0">
-                <a:solidFill>
-                  <a:srgbClr val="006600"/>
-                </a:solidFill>
-                <a:latin typeface="Comic Sans MS" pitchFamily="66" charset="0"/>
-              </a:rPr>
-              <a:t>all </a:t>
-            </a:r>
-            <a:r>
-              <a:rPr lang="en-US" sz="4400" dirty="0" smtClean="0">
-                <a:latin typeface="Comic Sans MS" pitchFamily="66" charset="0"/>
-              </a:rPr>
-              <a:t>valid formulas.</a:t>
+              <a:t>formulas</a:t>
             </a:r>
             <a:endParaRPr lang="en-US" sz="4400" dirty="0">
               <a:latin typeface="Comic Sans MS" pitchFamily="66" charset="0"/>
@@ -3392,20 +3379,50 @@
           </a:p>
           <a:p>
             <a:r>
-              <a:rPr lang="en-US" sz="4000" dirty="0" smtClean="0">
+              <a:rPr lang="en-US" sz="4800" dirty="0" smtClean="0">
                 <a:latin typeface="Comic Sans MS" pitchFamily="66" charset="0"/>
               </a:rPr>
-              <a:t> (in theory; in practice need</a:t>
-            </a:r>
-          </a:p>
-          <a:p>
-            <a:r>
-              <a:rPr lang="en-US" sz="4000" dirty="0" smtClean="0">
+              <a:t>…in theory</a:t>
+            </a:r>
+            <a:r>
+              <a:rPr lang="en-US" sz="4800" dirty="0" smtClean="0">
                 <a:latin typeface="Comic Sans MS" pitchFamily="66" charset="0"/>
               </a:rPr>
-              <a:t>   lots of rules)</a:t>
-            </a:r>
-            <a:endParaRPr lang="en-US" sz="4000" dirty="0">
+              <a:t> </a:t>
+            </a:r>
+          </a:p>
+          <a:p>
+            <a:r>
+              <a:rPr lang="en-US" sz="4800" dirty="0" smtClean="0">
+                <a:latin typeface="Comic Sans MS" pitchFamily="66" charset="0"/>
+              </a:rPr>
+              <a:t>  i</a:t>
+            </a:r>
+            <a:r>
+              <a:rPr lang="en-US" sz="4800" dirty="0" smtClean="0">
+                <a:latin typeface="Comic Sans MS" pitchFamily="66" charset="0"/>
+              </a:rPr>
+              <a:t>n </a:t>
+            </a:r>
+            <a:r>
+              <a:rPr lang="en-US" sz="4800" dirty="0" smtClean="0">
+                <a:latin typeface="Comic Sans MS" pitchFamily="66" charset="0"/>
+              </a:rPr>
+              <a:t>practice </a:t>
+            </a:r>
+            <a:r>
+              <a:rPr lang="en-US" sz="4800" dirty="0" smtClean="0">
+                <a:latin typeface="Comic Sans MS" pitchFamily="66" charset="0"/>
+              </a:rPr>
+              <a:t>need</a:t>
+            </a:r>
+            <a:r>
+              <a:rPr lang="en-US" sz="4800" dirty="0" smtClean="0">
+                <a:latin typeface="Comic Sans MS" pitchFamily="66" charset="0"/>
+              </a:rPr>
+              <a:t> many rules</a:t>
+            </a:r>
+            <a:endParaRPr lang="en-US" sz="4800" dirty="0">
               <a:latin typeface="Comic Sans MS" pitchFamily="66" charset="0"/>
             </a:endParaRPr>
           </a:p>
@@ -3449,7 +3466,7 @@
                             </p:stCondLst>
                             <p:childTnLst>
                               <p:par>
-                                <p:cTn id="5" presetID="9" presetClass="entr" presetSubtype="0" fill="hold" nodeType="clickEffect">
+                                <p:cTn id="5" presetID="15" presetClass="entr" presetSubtype="0" fill="hold" grpId="0" nodeType="clickEffect">
                                   <p:stCondLst>
                                     <p:cond delay="0"/>
                                   </p:stCondLst>
@@ -3462,11 +3479,7 @@
                                           </p:stCondLst>
                                         </p:cTn>
                                         <p:tgtEl>
-                                          <p:spTgt spid="119811">
-                                            <p:txEl>
-                                              <p:pRg st="1" end="1"/>
-                                            </p:txEl>
-                                          </p:spTgt>
+                                          <p:spTgt spid="119810"/>
                                         </p:tgtEl>
                                         <p:attrNameLst>
                                           <p:attrName>style.visibility</p:attrName>
@@ -3476,61 +3489,98 @@
                                         <p:strVal val="visible"/>
                                       </p:to>
                                     </p:set>
-                                    <p:animEffect transition="in" filter="dissolve">
+                                    <p:anim calcmode="lin" valueType="num">
                                       <p:cBhvr>
-                                        <p:cTn id="7" dur="500"/>
+                                        <p:cTn id="7" dur="1000" fill="hold"/>
                                         <p:tgtEl>
-                                          <p:spTgt spid="119811">
-                                            <p:txEl>
-                                              <p:pRg st="1" end="1"/>
-                                            </p:txEl>
-                                          </p:spTgt>
-                                        </p:tgtEl>
-                                      </p:cBhvr>
-                                    </p:animEffect>
-                                  </p:childTnLst>
-                                </p:cTn>
-                              </p:par>
-                              <p:par>
-                                <p:cTn id="8" presetID="9" presetClass="entr" presetSubtype="0" fill="hold" nodeType="withEffect">
-                                  <p:stCondLst>
-                                    <p:cond delay="0"/>
-                                  </p:stCondLst>
-                                  <p:childTnLst>
-                                    <p:set>
-                                      <p:cBhvr>
-                                        <p:cTn id="9" dur="1" fill="hold">
-                                          <p:stCondLst>
-                                            <p:cond delay="0"/>
-                                          </p:stCondLst>
-                                        </p:cTn>
-                                        <p:tgtEl>
-                                          <p:spTgt spid="119811">
-                                            <p:txEl>
-                                              <p:pRg st="2" end="2"/>
-                                            </p:txEl>
-                                          </p:spTgt>
+                                          <p:spTgt spid="119810"/>
                                         </p:tgtEl>
                                         <p:attrNameLst>
-                                          <p:attrName>style.visibility</p:attrName>
+                                          <p:attrName>ppt_w</p:attrName>
                                         </p:attrNameLst>
                                       </p:cBhvr>
-                                      <p:to>
-                                        <p:strVal val="visible"/>
-                                      </p:to>
-                                    </p:set>
-                                    <p:animEffect transition="in" filter="dissolve">
+                                      <p:tavLst>
+                                        <p:tav tm="0">
+                                          <p:val>
+                                            <p:fltVal val="0"/>
+                                          </p:val>
+                                        </p:tav>
+                                        <p:tav tm="100000">
+                                          <p:val>
+                                            <p:strVal val="#ppt_w"/>
+                                          </p:val>
+                                        </p:tav>
+                                      </p:tavLst>
+                                    </p:anim>
+                                    <p:anim calcmode="lin" valueType="num">
                                       <p:cBhvr>
-                                        <p:cTn id="10" dur="500"/>
+                                        <p:cTn id="8" dur="1000" fill="hold"/>
                                         <p:tgtEl>
-                                          <p:spTgt spid="119811">
-                                            <p:txEl>
-                                              <p:pRg st="2" end="2"/>
-                                            </p:txEl>
-                                          </p:spTgt>
+                                          <p:spTgt spid="119810"/>
                                         </p:tgtEl>
+                                        <p:attrNameLst>
+                                          <p:attrName>ppt_h</p:attrName>
+                                        </p:attrNameLst>
                                       </p:cBhvr>
-                                    </p:animEffect>
+                                      <p:tavLst>
+                                        <p:tav tm="0">
+                                          <p:val>
+                                            <p:fltVal val="0"/>
+                                          </p:val>
+                                        </p:tav>
+                                        <p:tav tm="100000">
+                                          <p:val>
+                                            <p:strVal val="#ppt_h"/>
+                                          </p:val>
+                                        </p:tav>
+                                      </p:tavLst>
+                                    </p:anim>
+                                    <p:anim calcmode="lin" valueType="num">
+                                      <p:cBhvr>
+                                        <p:cTn id="9" dur="1000" fill="hold"/>
+                                        <p:tgtEl>
+                                          <p:spTgt spid="119810"/>
+                                        </p:tgtEl>
+                                        <p:attrNameLst>
+                                          <p:attrName>ppt_x</p:attrName>
+                                        </p:attrNameLst>
+                                      </p:cBhvr>
+                                      <p:tavLst>
+                                        <p:tav tm="0" fmla="#ppt_x+(cos(-2*pi*(1-$))*-#ppt_x-sin(-2*pi*(1-$))*(1-#ppt_y))*(1-$)">
+                                          <p:val>
+                                            <p:fltVal val="0"/>
+                                          </p:val>
+                                        </p:tav>
+                                        <p:tav tm="100000">
+                                          <p:val>
+                                            <p:fltVal val="1"/>
+                                          </p:val>
+                                        </p:tav>
+                                      </p:tavLst>
+                                    </p:anim>
+                                    <p:anim calcmode="lin" valueType="num">
+                                      <p:cBhvr>
+                                        <p:cTn id="10" dur="1000" fill="hold"/>
+                                        <p:tgtEl>
+                                          <p:spTgt spid="119810"/>
+                                        </p:tgtEl>
+                                        <p:attrNameLst>
+                                          <p:attrName>ppt_y</p:attrName>
+                                        </p:attrNameLst>
+                                      </p:cBhvr>
+                                      <p:tavLst>
+                                        <p:tav tm="0" fmla="#ppt_y+(sin(-2*pi*(1-$))*-#ppt_x+cos(-2*pi*(1-$))*(1-#ppt_y))*(1-$)">
+                                          <p:val>
+                                            <p:fltVal val="0"/>
+                                          </p:val>
+                                        </p:tav>
+                                        <p:tav tm="100000">
+                                          <p:val>
+                                            <p:fltVal val="1"/>
+                                          </p:val>
+                                        </p:tav>
+                                      </p:tavLst>
+                                    </p:anim>
                                   </p:childTnLst>
                                 </p:cTn>
                               </p:par>
@@ -3553,7 +3603,7 @@
                             </p:stCondLst>
                             <p:childTnLst>
                               <p:par>
-                                <p:cTn id="13" presetID="15" presetClass="entr" presetSubtype="0" fill="hold" grpId="0" nodeType="clickEffect">
+                                <p:cTn id="13" presetID="9" presetClass="entr" presetSubtype="0" fill="hold" nodeType="clickEffect">
                                   <p:stCondLst>
                                     <p:cond delay="0"/>
                                   </p:stCondLst>
@@ -3566,7 +3616,11 @@
                                           </p:stCondLst>
                                         </p:cTn>
                                         <p:tgtEl>
-                                          <p:spTgt spid="119810"/>
+                                          <p:spTgt spid="119811">
+                                            <p:txEl>
+                                              <p:pRg st="1" end="1"/>
+                                            </p:txEl>
+                                          </p:spTgt>
                                         </p:tgtEl>
                                         <p:attrNameLst>
                                           <p:attrName>style.visibility</p:attrName>
@@ -3576,98 +3630,79 @@
                                         <p:strVal val="visible"/>
                                       </p:to>
                                     </p:set>
-                                    <p:anim calcmode="lin" valueType="num">
+                                    <p:animEffect transition="in" filter="dissolve">
                                       <p:cBhvr>
-                                        <p:cTn id="15" dur="1000" fill="hold"/>
+                                        <p:cTn id="15" dur="500"/>
                                         <p:tgtEl>
-                                          <p:spTgt spid="119810"/>
+                                          <p:spTgt spid="119811">
+                                            <p:txEl>
+                                              <p:pRg st="1" end="1"/>
+                                            </p:txEl>
+                                          </p:spTgt>
+                                        </p:tgtEl>
+                                      </p:cBhvr>
+                                    </p:animEffect>
+                                  </p:childTnLst>
+                                </p:cTn>
+                              </p:par>
+                            </p:childTnLst>
+                          </p:cTn>
+                        </p:par>
+                      </p:childTnLst>
+                    </p:cTn>
+                  </p:par>
+                  <p:par>
+                    <p:cTn id="16" fill="hold">
+                      <p:stCondLst>
+                        <p:cond delay="indefinite"/>
+                      </p:stCondLst>
+                      <p:childTnLst>
+                        <p:par>
+                          <p:cTn id="17" fill="hold">
+                            <p:stCondLst>
+                              <p:cond delay="0"/>
+                            </p:stCondLst>
+                            <p:childTnLst>
+                              <p:par>
+                                <p:cTn id="18" presetID="9" presetClass="entr" presetSubtype="0" fill="hold" nodeType="clickEffect">
+                                  <p:stCondLst>
+                                    <p:cond delay="0"/>
+                                  </p:stCondLst>
+                                  <p:childTnLst>
+                                    <p:set>
+                                      <p:cBhvr>
+                                        <p:cTn id="19" dur="1" fill="hold">
+                                          <p:stCondLst>
+                                            <p:cond delay="0"/>
+                                          </p:stCondLst>
+                                        </p:cTn>
+                                        <p:tgtEl>
+                                          <p:spTgt spid="119811">
+                                            <p:txEl>
+                                              <p:pRg st="2" end="2"/>
+                                            </p:txEl>
+                                          </p:spTgt>
                                         </p:tgtEl>
                                         <p:attrNameLst>
-                                          <p:attrName>ppt_w</p:attrName>
+                                          <p:attrName>style.visibility</p:attrName>
                                         </p:attrNameLst>
                                       </p:cBhvr>
-                                      <p:tavLst>
-                                        <p:tav tm="0">
-                                          <p:val>
-                                            <p:fltVal val="0"/>
-                                          </p:val>
-                                        </p:tav>
-                                        <p:tav tm="100000">
-                                          <p:val>
-                                            <p:strVal val="#ppt_w"/>
-                                          </p:val>
-                                        </p:tav>
-                                      </p:tavLst>
-                                    </p:anim>
-                                    <p:anim calcmode="lin" valueType="num">
+                                      <p:to>
+                                        <p:strVal val="visible"/>
+                                      </p:to>
+                                    </p:set>
+                                    <p:animEffect transition="in" filter="dissolve">
                                       <p:cBhvr>
-                                        <p:cTn id="16" dur="1000" fill="hold"/>
+                                        <p:cTn id="20" dur="500"/>
                                         <p:tgtEl>
-                                          <p:spTgt spid="119810"/>
+                                          <p:spTgt spid="119811">
+                                            <p:txEl>
+                                              <p:pRg st="2" end="2"/>
+                                            </p:txEl>
+                                          </p:spTgt>
                                         </p:tgtEl>
-                                        <p:attrNameLst>
-                                          <p:attrName>ppt_h</p:attrName>
-                                        </p:attrNameLst>
                                       </p:cBhvr>
-                                      <p:tavLst>
-                                        <p:tav tm="0">
-                                          <p:val>
-                                            <p:fltVal val="0"/>
-                                          </p:val>
-                                        </p:tav>
-                                        <p:tav tm="100000">
-                                          <p:val>
-                                            <p:strVal val="#ppt_h"/>
-                                          </p:val>
-                                        </p:tav>
-                                      </p:tavLst>
-                                    </p:anim>
-                                    <p:anim calcmode="lin" valueType="num">
-                                      <p:cBhvr>
-                                        <p:cTn id="17" dur="1000" fill="hold"/>
-                                        <p:tgtEl>
-                                          <p:spTgt spid="119810"/>
-                                        </p:tgtEl>
-                                        <p:attrNameLst>
-                                          <p:attrName>ppt_x</p:attrName>
-                                        </p:attrNameLst>
-                                      </p:cBhvr>
-                                      <p:tavLst>
-                                        <p:tav tm="0" fmla="#ppt_x+(cos(-2*pi*(1-$))*-#ppt_x-sin(-2*pi*(1-$))*(1-#ppt_y))*(1-$)">
-                                          <p:val>
-                                            <p:fltVal val="0"/>
-                                          </p:val>
-                                        </p:tav>
-                                        <p:tav tm="100000">
-                                          <p:val>
-                                            <p:fltVal val="1"/>
-                                          </p:val>
-                                        </p:tav>
-                                      </p:tavLst>
-                                    </p:anim>
-                                    <p:anim calcmode="lin" valueType="num">
-                                      <p:cBhvr>
-                                        <p:cTn id="18" dur="1000" fill="hold"/>
-                                        <p:tgtEl>
-                                          <p:spTgt spid="119810"/>
-                                        </p:tgtEl>
-                                        <p:attrNameLst>
-                                          <p:attrName>ppt_y</p:attrName>
-                                        </p:attrNameLst>
-                                      </p:cBhvr>
-                                      <p:tavLst>
-                                        <p:tav tm="0" fmla="#ppt_y+(sin(-2*pi*(1-$))*-#ppt_x+cos(-2*pi*(1-$))*(1-#ppt_y))*(1-$)">
-                                          <p:val>
-                                            <p:fltVal val="0"/>
-                                          </p:val>
-                                        </p:tav>
-                                        <p:tav tm="100000">
-                                          <p:val>
-                                            <p:fltVal val="1"/>
-                                          </p:val>
-                                        </p:tav>
-                                      </p:tavLst>
-                                    </p:anim>
+                                    </p:animEffect>
                                   </p:childTnLst>
                                 </p:cTn>
                               </p:par>
@@ -3738,7 +3773,7 @@
           <a:lstStyle/>
           <a:p>
             <a:r>
-              <a:rPr lang="en-US" sz="3600" dirty="0">
+              <a:rPr lang="en-US" sz="4000" dirty="0">
                 <a:solidFill>
                   <a:schemeClr val="tx1"/>
                 </a:solidFill>
@@ -3760,13 +3795,178 @@
         </p:nvSpPr>
         <p:spPr>
           <a:xfrm>
-            <a:off x="665389" y="2297906"/>
-            <a:ext cx="7813222" cy="2259013"/>
+            <a:off x="249264" y="1365077"/>
+            <a:ext cx="8688506" cy="4475060"/>
           </a:xfrm>
         </p:spPr>
         <p:txBody>
           <a:bodyPr/>
           <a:lstStyle/>
+          <a:p>
+            <a:pPr>
+              <a:spcBef>
+                <a:spcPct val="0"/>
+              </a:spcBef>
+            </a:pPr>
+            <a:r>
+              <a:rPr lang="en-US" sz="5400" dirty="0" smtClean="0"/>
+              <a:t>Rules: </a:t>
+            </a:r>
+            <a:r>
+              <a:rPr lang="en-US" sz="5400" dirty="0" smtClean="0">
+                <a:solidFill>
+                  <a:srgbClr val="0000FF"/>
+                </a:solidFill>
+              </a:rPr>
+              <a:t>UG</a:t>
+            </a:r>
+            <a:r>
+              <a:rPr lang="en-US" sz="5400" dirty="0" smtClean="0"/>
+              <a:t> &amp; </a:t>
+            </a:r>
+            <a:r>
+              <a:rPr lang="en-US" sz="5400" dirty="0" smtClean="0">
+                <a:solidFill>
+                  <a:srgbClr val="0000FF"/>
+                </a:solidFill>
+              </a:rPr>
+              <a:t>Modus </a:t>
+            </a:r>
+            <a:r>
+              <a:rPr lang="en-US" sz="5400" dirty="0" smtClean="0">
+                <a:solidFill>
+                  <a:srgbClr val="0000FF"/>
+                </a:solidFill>
+              </a:rPr>
+              <a:t>P</a:t>
+            </a:r>
+            <a:r>
+              <a:rPr lang="en-US" sz="5400" dirty="0" smtClean="0">
+                <a:solidFill>
+                  <a:srgbClr val="0000FF"/>
+                </a:solidFill>
+              </a:rPr>
+              <a:t>onens</a:t>
+            </a:r>
+          </a:p>
+          <a:p>
+            <a:pPr>
+              <a:spcBef>
+                <a:spcPct val="0"/>
+              </a:spcBef>
+            </a:pPr>
+            <a:r>
+              <a:rPr lang="en-US" sz="5400" dirty="0" smtClean="0"/>
+              <a:t>Axioms:</a:t>
+            </a:r>
+            <a:r>
+              <a:rPr lang="en-US" sz="4800" dirty="0" smtClean="0"/>
+              <a:t> </a:t>
+            </a:r>
+            <a:r>
+              <a:rPr lang="en-US" sz="5400" dirty="0" smtClean="0"/>
+              <a:t>a few </a:t>
+            </a:r>
+            <a:r>
+              <a:rPr lang="en-US" sz="5400" dirty="0"/>
+              <a:t>valid</a:t>
+            </a:r>
+            <a:endParaRPr lang="en-US" sz="4800" dirty="0" smtClean="0"/>
+          </a:p>
+          <a:p>
+            <a:pPr>
+              <a:spcBef>
+                <a:spcPct val="0"/>
+              </a:spcBef>
+            </a:pPr>
+            <a:r>
+              <a:rPr lang="en-US" sz="5400" dirty="0" smtClean="0">
+                <a:latin typeface="Comic Sans MS"/>
+                <a:cs typeface="Comic Sans MS"/>
+              </a:rPr>
+              <a:t>propositional</a:t>
+            </a:r>
+            <a:r>
+              <a:rPr lang="en-US" sz="4800" dirty="0" smtClean="0">
+                <a:latin typeface="Comic Sans MS"/>
+                <a:cs typeface="Comic Sans MS"/>
+              </a:rPr>
+              <a:t> </a:t>
+            </a:r>
+            <a:r>
+              <a:rPr lang="en-US" sz="5400" dirty="0" smtClean="0"/>
+              <a:t>formulas</a:t>
+            </a:r>
+            <a:r>
+              <a:rPr lang="en-US" sz="4800" dirty="0" smtClean="0"/>
+              <a:t> </a:t>
+            </a:r>
+          </a:p>
+          <a:p>
+            <a:pPr>
+              <a:spcBef>
+                <a:spcPct val="0"/>
+              </a:spcBef>
+            </a:pPr>
+            <a:r>
+              <a:rPr lang="en-US" sz="5400" dirty="0" smtClean="0"/>
+              <a:t>and </a:t>
+            </a:r>
+            <a:r>
+              <a:rPr lang="en-US" sz="5400" dirty="0" err="1" smtClean="0"/>
+              <a:t>pred</a:t>
+            </a:r>
+            <a:r>
+              <a:rPr lang="en-US" sz="5400" dirty="0" smtClean="0"/>
+              <a:t> formulas like</a:t>
+            </a:r>
+          </a:p>
+          <a:p>
+            <a:pPr>
+              <a:spcBef>
+                <a:spcPct val="0"/>
+              </a:spcBef>
+            </a:pPr>
+            <a:r>
+              <a:rPr lang="en-US" sz="5400" dirty="0" err="1" smtClean="0"/>
+              <a:t>DeMorgan</a:t>
+            </a:r>
+            <a:r>
+              <a:rPr lang="en-US" sz="5400" dirty="0" smtClean="0"/>
+              <a:t> for </a:t>
+            </a:r>
+            <a:r>
+              <a:rPr lang="en-US" sz="5400" b="1" dirty="0" smtClean="0">
+                <a:solidFill>
+                  <a:srgbClr val="0000FF"/>
+                </a:solidFill>
+                <a:latin typeface="Euclid Symbol" charset="2"/>
+                <a:cs typeface="Euclid Symbol" charset="2"/>
+              </a:rPr>
+              <a:t>∀</a:t>
+            </a:r>
+            <a:r>
+              <a:rPr lang="en-US" sz="5400" b="1" dirty="0" smtClean="0">
+                <a:latin typeface="Euclid Symbol" charset="2"/>
+                <a:cs typeface="Euclid Symbol" charset="2"/>
+              </a:rPr>
+              <a:t>,</a:t>
+            </a:r>
+            <a:r>
+              <a:rPr lang="en-US" sz="5400" b="1" dirty="0" smtClean="0">
+                <a:solidFill>
+                  <a:srgbClr val="0000FF"/>
+                </a:solidFill>
+                <a:latin typeface="Euclid Symbol" charset="2"/>
+                <a:cs typeface="Euclid Symbol" charset="2"/>
+              </a:rPr>
+              <a:t>∃</a:t>
+            </a:r>
+            <a:endParaRPr lang="en-US" sz="5400" dirty="0" smtClean="0">
+              <a:latin typeface="Comic Sans MS"/>
+              <a:cs typeface="Comic Sans MS"/>
+            </a:endParaRPr>
+          </a:p>
           <a:p>
             <a:pPr>
               <a:lnSpc>
@@ -3776,44 +3976,13 @@
                 <a:spcPct val="0"/>
               </a:spcBef>
             </a:pPr>
-            <a:r>
-              <a:rPr lang="en-US" sz="4400" dirty="0" smtClean="0"/>
-              <a:t>Rules are just </a:t>
-            </a:r>
-            <a:r>
-              <a:rPr lang="en-US" sz="4400" dirty="0"/>
-              <a:t>UG and modus </a:t>
-            </a:r>
-            <a:endParaRPr lang="en-US" sz="4400" dirty="0" smtClean="0"/>
-          </a:p>
-          <a:p>
-            <a:pPr>
-              <a:lnSpc>
-                <a:spcPct val="90000"/>
-              </a:lnSpc>
-              <a:spcBef>
-                <a:spcPct val="0"/>
-              </a:spcBef>
-            </a:pPr>
-            <a:r>
-              <a:rPr lang="en-US" sz="4400" dirty="0" smtClean="0"/>
-              <a:t>ponens.  Most of the valid </a:t>
-            </a:r>
-          </a:p>
-          <a:p>
-            <a:pPr>
-              <a:lnSpc>
-                <a:spcPct val="90000"/>
-              </a:lnSpc>
-              <a:spcBef>
-                <a:spcPct val="0"/>
-              </a:spcBef>
-            </a:pPr>
-            <a:r>
-              <a:rPr lang="en-US" sz="4400" dirty="0" smtClean="0"/>
-              <a:t>axioms shown already.</a:t>
-            </a:r>
-            <a:endParaRPr lang="en-US" sz="4400" dirty="0"/>
+            <a:endParaRPr lang="en-US" sz="5400" b="1" dirty="0">
+              <a:solidFill>
+                <a:srgbClr val="0000FF"/>
+              </a:solidFill>
+              <a:latin typeface="Euclid Symbol" charset="2"/>
+              <a:cs typeface="Euclid Symbol" charset="2"/>
+            </a:endParaRPr>
           </a:p>
         </p:txBody>
       </p:sp>
@@ -3822,7 +3991,9 @@
   <p:clrMapOvr>
     <a:masterClrMapping/>
   </p:clrMapOvr>
-  <p:transition xmlns:p14="http://schemas.microsoft.com/office/powerpoint/2010/main"/>
+  <p:transition xmlns:p14="http://schemas.microsoft.com/office/powerpoint/2010/main" spd="slow" advClick="0">
+    <p:fade/>
+  </p:transition>
   <p:timing>
     <p:tnLst>
       <p:par>
@@ -3866,18 +4037,18 @@
           <a:lstStyle/>
           <a:p>
             <a:r>
-              <a:rPr lang="en-US" sz="3600" dirty="0" smtClean="0"/>
+              <a:rPr lang="en-US" sz="4400" dirty="0" smtClean="0"/>
               <a:t>Validity is </a:t>
             </a:r>
             <a:r>
-              <a:rPr lang="en-US" sz="3600" dirty="0" err="1" smtClean="0">
+              <a:rPr lang="en-US" sz="4400" dirty="0" err="1" smtClean="0">
                 <a:solidFill>
                   <a:srgbClr val="FF0000"/>
                 </a:solidFill>
               </a:rPr>
               <a:t>undecidable</a:t>
             </a:r>
-            <a:endParaRPr lang="en-US" sz="3600" dirty="0">
+            <a:endParaRPr lang="en-US" sz="4400" dirty="0">
               <a:solidFill>
                 <a:srgbClr val="FF0000"/>
               </a:solidFill>
@@ -3897,8 +4068,8 @@
         </p:nvSpPr>
         <p:spPr>
           <a:xfrm>
-            <a:off x="500743" y="1496659"/>
-            <a:ext cx="8142514" cy="3870551"/>
+            <a:off x="166174" y="1543124"/>
+            <a:ext cx="8842809" cy="4593762"/>
           </a:xfrm>
         </p:spPr>
         <p:txBody>
@@ -3906,15 +4077,15 @@
           <a:lstStyle/>
           <a:p>
             <a:r>
-              <a:rPr lang="en-US" sz="4000" dirty="0" err="1"/>
+              <a:rPr lang="en-US" sz="4800" dirty="0" err="1"/>
               <a:t>Thm</a:t>
             </a:r>
             <a:r>
-              <a:rPr lang="en-US" sz="4000" dirty="0"/>
+              <a:rPr lang="en-US" sz="4800" dirty="0"/>
               <a:t> 2, </a:t>
             </a:r>
             <a:r>
-              <a:rPr lang="en-US" sz="4000" dirty="0">
+              <a:rPr lang="en-US" sz="4800" dirty="0">
                 <a:solidFill>
                   <a:srgbClr val="CC0000"/>
                 </a:solidFill>
@@ -3922,42 +4093,65 @@
               <a:t>Bad News:</a:t>
             </a:r>
             <a:r>
-              <a:rPr lang="en-US" sz="4000" dirty="0"/>
-              <a:t> there is no </a:t>
-            </a:r>
-          </a:p>
-          <a:p>
-            <a:r>
-              <a:rPr lang="en-US" sz="4000" dirty="0"/>
+              <a:rPr lang="en-US" sz="4800" dirty="0"/>
+              <a:t> </a:t>
+            </a:r>
+            <a:r>
+              <a:rPr lang="en-US" sz="4800" dirty="0" smtClean="0"/>
+              <a:t>no </a:t>
+            </a:r>
+            <a:endParaRPr lang="en-US" sz="4800" dirty="0"/>
+          </a:p>
+          <a:p>
+            <a:r>
+              <a:rPr lang="en-US" sz="4800" dirty="0"/>
               <a:t>procedure </a:t>
             </a:r>
             <a:r>
-              <a:rPr lang="en-US" sz="4000" dirty="0" smtClean="0"/>
-              <a:t>to determine whether </a:t>
-            </a:r>
-            <a:endParaRPr lang="en-US" sz="4000" dirty="0"/>
-          </a:p>
-          <a:p>
-            <a:r>
-              <a:rPr lang="en-US" sz="4000" dirty="0" smtClean="0"/>
-              <a:t>a quantified  formula is </a:t>
-            </a:r>
-            <a:r>
-              <a:rPr lang="en-US" sz="4000" dirty="0"/>
-              <a:t>valid</a:t>
-            </a:r>
-          </a:p>
-          <a:p>
-            <a:r>
-              <a:rPr lang="en-US" sz="4000" dirty="0"/>
-              <a:t>(in contrast to propositional </a:t>
-            </a:r>
-          </a:p>
-          <a:p>
-            <a:r>
-              <a:rPr lang="en-US" sz="4000" dirty="0"/>
-              <a:t>formulas).</a:t>
-            </a:r>
+              <a:rPr lang="en-US" sz="4800" dirty="0" smtClean="0"/>
+              <a:t>to determine </a:t>
+            </a:r>
+            <a:endParaRPr lang="en-US" sz="4800" dirty="0" smtClean="0"/>
+          </a:p>
+          <a:p>
+            <a:r>
+              <a:rPr lang="en-US" sz="4800" dirty="0" smtClean="0"/>
+              <a:t>validity </a:t>
+            </a:r>
+            <a:r>
+              <a:rPr lang="en-US" sz="4800" dirty="0" smtClean="0"/>
+              <a:t>of </a:t>
+            </a:r>
+            <a:r>
+              <a:rPr lang="en-US" sz="4800" dirty="0" err="1" smtClean="0"/>
+              <a:t>pred</a:t>
+            </a:r>
+            <a:r>
+              <a:rPr lang="en-US" sz="4800" dirty="0" smtClean="0"/>
+              <a:t> formulas</a:t>
+            </a:r>
+            <a:endParaRPr lang="en-US" sz="4800" dirty="0"/>
+          </a:p>
+          <a:p>
+            <a:r>
+              <a:rPr lang="en-US" sz="4800" dirty="0" smtClean="0"/>
+              <a:t>-- in </a:t>
+            </a:r>
+            <a:r>
+              <a:rPr lang="en-US" sz="4800" dirty="0" smtClean="0"/>
+              <a:t>contrast </a:t>
+            </a:r>
+            <a:r>
+              <a:rPr lang="en-US" sz="4800" dirty="0"/>
+              <a:t>to propositional </a:t>
+            </a:r>
+          </a:p>
+          <a:p>
+            <a:r>
+              <a:rPr lang="en-US" sz="4800" dirty="0" smtClean="0"/>
+              <a:t>validity</a:t>
+            </a:r>
+            <a:endParaRPr lang="en-US" sz="4800" dirty="0"/>
           </a:p>
         </p:txBody>
       </p:sp>
@@ -3967,7 +4161,7 @@
     <a:masterClrMapping/>
   </p:clrMapOvr>
   <p:transition xmlns:p14="http://schemas.microsoft.com/office/powerpoint/2010/main" spd="slow">
-    <p:fade/>
+    <p:fade thruBlk="1"/>
   </p:transition>
   <p:timing>
     <p:tnLst>
@@ -4127,7 +4321,7 @@
                             </p:stCondLst>
                             <p:childTnLst>
                               <p:par>
-                                <p:cTn id="13" presetID="1" presetClass="entr" presetSubtype="0" fill="hold" nodeType="clickEffect">
+                                <p:cTn id="13" presetID="10" presetClass="entr" presetSubtype="0" fill="hold" nodeType="clickEffect">
                                   <p:stCondLst>
                                     <p:cond delay="0"/>
                                   </p:stCondLst>
@@ -4154,18 +4348,30 @@
                                         <p:strVal val="visible"/>
                                       </p:to>
                                     </p:set>
+                                    <p:animEffect transition="in" filter="fade">
+                                      <p:cBhvr>
+                                        <p:cTn id="15" dur="500"/>
+                                        <p:tgtEl>
+                                          <p:spTgt spid="121859">
+                                            <p:txEl>
+                                              <p:pRg st="3" end="3"/>
+                                            </p:txEl>
+                                          </p:spTgt>
+                                        </p:tgtEl>
+                                      </p:cBhvr>
+                                    </p:animEffect>
                                   </p:childTnLst>
                                 </p:cTn>
                               </p:par>
                               <p:par>
-                                <p:cTn id="15" presetID="1" presetClass="entr" presetSubtype="0" fill="hold" nodeType="withEffect">
+                                <p:cTn id="16" presetID="10" presetClass="entr" presetSubtype="0" fill="hold" nodeType="withEffect">
                                   <p:stCondLst>
                                     <p:cond delay="0"/>
                                   </p:stCondLst>
                                   <p:childTnLst>
                                     <p:set>
                                       <p:cBhvr>
-                                        <p:cTn id="16" dur="1" fill="hold">
+                                        <p:cTn id="17" dur="1" fill="hold">
                                           <p:stCondLst>
                                             <p:cond delay="0"/>
                                           </p:stCondLst>
@@ -4185,6 +4391,18 @@
                                         <p:strVal val="visible"/>
                                       </p:to>
                                     </p:set>
+                                    <p:animEffect transition="in" filter="fade">
+                                      <p:cBhvr>
+                                        <p:cTn id="18" dur="500"/>
+                                        <p:tgtEl>
+                                          <p:spTgt spid="121859">
+                                            <p:txEl>
+                                              <p:pRg st="4" end="4"/>
+                                            </p:txEl>
+                                          </p:spTgt>
+                                        </p:tgtEl>
+                                      </p:cBhvr>
+                                    </p:animEffect>
                                   </p:childTnLst>
                                 </p:cTn>
                               </p:par>
@@ -4241,6 +4459,407 @@
       </p:grpSpPr>
       <p:sp>
         <p:nvSpPr>
+          <p:cNvPr id="2" name="Title 1"/>
+          <p:cNvSpPr>
+            <a:spLocks noGrp="1"/>
+          </p:cNvSpPr>
+          <p:nvPr>
+            <p:ph type="title"/>
+          </p:nvPr>
+        </p:nvSpPr>
+        <p:spPr>
+          <a:xfrm>
+            <a:off x="1341253" y="344235"/>
+            <a:ext cx="7695917" cy="1056447"/>
+          </a:xfrm>
+        </p:spPr>
+        <p:txBody>
+          <a:bodyPr/>
+          <a:lstStyle/>
+          <a:p>
+            <a:r>
+              <a:rPr lang="en-US" sz="3600" dirty="0" smtClean="0"/>
+              <a:t>Detecting, Not Deciding, Validity</a:t>
+            </a:r>
+            <a:endParaRPr lang="en-US" sz="3600" dirty="0"/>
+          </a:p>
+        </p:txBody>
+      </p:sp>
+      <p:sp>
+        <p:nvSpPr>
+          <p:cNvPr id="3" name="Content Placeholder 2"/>
+          <p:cNvSpPr>
+            <a:spLocks noGrp="1"/>
+          </p:cNvSpPr>
+          <p:nvPr>
+            <p:ph idx="1"/>
+          </p:nvPr>
+        </p:nvSpPr>
+        <p:spPr/>
+        <p:txBody>
+          <a:bodyPr/>
+          <a:lstStyle/>
+          <a:p>
+            <a:r>
+              <a:rPr lang="en-US" sz="4000" dirty="0" smtClean="0"/>
+              <a:t>Given a predicate formula, you </a:t>
+            </a:r>
+          </a:p>
+          <a:p>
+            <a:r>
+              <a:rPr lang="en-US" sz="4000" dirty="0" smtClean="0"/>
+              <a:t>will discover that when it is valid </a:t>
+            </a:r>
+          </a:p>
+          <a:p>
+            <a:r>
+              <a:rPr lang="en-US" sz="4000" dirty="0" smtClean="0"/>
+              <a:t>by searching for its proof.</a:t>
+            </a:r>
+            <a:endParaRPr lang="en-US" sz="4000" dirty="0"/>
+          </a:p>
+        </p:txBody>
+      </p:sp>
+    </p:spTree>
+    <p:extLst>
+      <p:ext uri="{BB962C8B-B14F-4D97-AF65-F5344CB8AC3E}">
+        <p14:creationId xmlns:p14="http://schemas.microsoft.com/office/powerpoint/2010/main" val="3524785682"/>
+      </p:ext>
+    </p:extLst>
+  </p:cSld>
+  <p:clrMapOvr>
+    <a:masterClrMapping/>
+  </p:clrMapOvr>
+  <p:transition xmlns:p14="http://schemas.microsoft.com/office/powerpoint/2010/main" spd="slow" advClick="0">
+    <p:fade thruBlk="1"/>
+  </p:transition>
+  <p:timing>
+    <p:tnLst>
+      <p:par>
+        <p:cTn xmlns:p14="http://schemas.microsoft.com/office/powerpoint/2010/main" id="1" dur="indefinite" restart="never" nodeType="tmRoot">
+          <p:childTnLst>
+            <p:seq concurrent="1" nextAc="seek">
+              <p:cTn id="2" dur="indefinite" nodeType="mainSeq">
+                <p:childTnLst>
+                  <p:par>
+                    <p:cTn id="3" fill="hold">
+                      <p:stCondLst>
+                        <p:cond delay="indefinite"/>
+                      </p:stCondLst>
+                      <p:childTnLst>
+                        <p:par>
+                          <p:cTn id="4" fill="hold">
+                            <p:stCondLst>
+                              <p:cond delay="0"/>
+                            </p:stCondLst>
+                            <p:childTnLst>
+                              <p:par>
+                                <p:cTn id="5" presetID="10" presetClass="entr" presetSubtype="0" fill="hold" grpId="0" nodeType="clickEffect">
+                                  <p:stCondLst>
+                                    <p:cond delay="0"/>
+                                  </p:stCondLst>
+                                  <p:childTnLst>
+                                    <p:set>
+                                      <p:cBhvr>
+                                        <p:cTn id="6" dur="1" fill="hold">
+                                          <p:stCondLst>
+                                            <p:cond delay="0"/>
+                                          </p:stCondLst>
+                                        </p:cTn>
+                                        <p:tgtEl>
+                                          <p:spTgt spid="3"/>
+                                        </p:tgtEl>
+                                        <p:attrNameLst>
+                                          <p:attrName>style.visibility</p:attrName>
+                                        </p:attrNameLst>
+                                      </p:cBhvr>
+                                      <p:to>
+                                        <p:strVal val="visible"/>
+                                      </p:to>
+                                    </p:set>
+                                    <p:animEffect transition="in" filter="fade">
+                                      <p:cBhvr>
+                                        <p:cTn id="7" dur="500"/>
+                                        <p:tgtEl>
+                                          <p:spTgt spid="3"/>
+                                        </p:tgtEl>
+                                      </p:cBhvr>
+                                    </p:animEffect>
+                                  </p:childTnLst>
+                                </p:cTn>
+                              </p:par>
+                            </p:childTnLst>
+                          </p:cTn>
+                        </p:par>
+                      </p:childTnLst>
+                    </p:cTn>
+                  </p:par>
+                </p:childTnLst>
+              </p:cTn>
+              <p:prevCondLst>
+                <p:cond evt="onPrev" delay="0">
+                  <p:tgtEl>
+                    <p:sldTgt/>
+                  </p:tgtEl>
+                </p:cond>
+              </p:prevCondLst>
+              <p:nextCondLst>
+                <p:cond evt="onNext" delay="0">
+                  <p:tgtEl>
+                    <p:sldTgt/>
+                  </p:tgtEl>
+                </p:cond>
+              </p:nextCondLst>
+            </p:seq>
+          </p:childTnLst>
+        </p:cTn>
+      </p:par>
+    </p:tnLst>
+    <p:bldLst>
+      <p:bldP spid="3" grpId="0"/>
+    </p:bldLst>
+  </p:timing>
+</p:sld>
+</file>
+
+<file path=ppt/slides/slide7.xml><?xml version="1.0" encoding="utf-8"?>
+<p:sld xmlns:a="http://schemas.openxmlformats.org/drawingml/2006/main" xmlns:r="http://schemas.openxmlformats.org/officeDocument/2006/relationships" xmlns:p="http://schemas.openxmlformats.org/presentationml/2006/main">
+  <p:cSld>
+    <p:spTree>
+      <p:nvGrpSpPr>
+        <p:cNvPr id="1" name=""/>
+        <p:cNvGrpSpPr/>
+        <p:nvPr/>
+      </p:nvGrpSpPr>
+      <p:grpSpPr>
+        <a:xfrm>
+          <a:off x="0" y="0"/>
+          <a:ext cx="0" cy="0"/>
+          <a:chOff x="0" y="0"/>
+          <a:chExt cx="0" cy="0"/>
+        </a:xfrm>
+      </p:grpSpPr>
+      <p:sp>
+        <p:nvSpPr>
+          <p:cNvPr id="2" name="Title 1"/>
+          <p:cNvSpPr>
+            <a:spLocks noGrp="1"/>
+          </p:cNvSpPr>
+          <p:nvPr>
+            <p:ph type="title"/>
+          </p:nvPr>
+        </p:nvSpPr>
+        <p:spPr>
+          <a:xfrm>
+            <a:off x="1341253" y="344235"/>
+            <a:ext cx="7695917" cy="1056447"/>
+          </a:xfrm>
+        </p:spPr>
+        <p:txBody>
+          <a:bodyPr/>
+          <a:lstStyle/>
+          <a:p>
+            <a:r>
+              <a:rPr lang="en-US" sz="3600" dirty="0" smtClean="0"/>
+              <a:t>Detecting, Not Deciding, Validity</a:t>
+            </a:r>
+            <a:endParaRPr lang="en-US" sz="3600" dirty="0"/>
+          </a:p>
+        </p:txBody>
+      </p:sp>
+      <p:sp>
+        <p:nvSpPr>
+          <p:cNvPr id="3" name="Content Placeholder 2"/>
+          <p:cNvSpPr>
+            <a:spLocks noGrp="1"/>
+          </p:cNvSpPr>
+          <p:nvPr>
+            <p:ph idx="1"/>
+          </p:nvPr>
+        </p:nvSpPr>
+        <p:spPr/>
+        <p:txBody>
+          <a:bodyPr/>
+          <a:lstStyle/>
+          <a:p>
+            <a:r>
+              <a:rPr lang="en-US" sz="4000" dirty="0" smtClean="0"/>
+              <a:t>Given a predicate formula, you </a:t>
+            </a:r>
+          </a:p>
+          <a:p>
+            <a:r>
+              <a:rPr lang="en-US" sz="4000" dirty="0" smtClean="0"/>
+              <a:t>will discover when it is valid </a:t>
+            </a:r>
+          </a:p>
+          <a:p>
+            <a:r>
+              <a:rPr lang="en-US" sz="4000" dirty="0" smtClean="0"/>
+              <a:t>by searching for its proof.  But </a:t>
+            </a:r>
+          </a:p>
+          <a:p>
+            <a:r>
+              <a:rPr lang="en-US" sz="4000" dirty="0" smtClean="0"/>
+              <a:t>you generally won’t know when </a:t>
+            </a:r>
+          </a:p>
+          <a:p>
+            <a:r>
+              <a:rPr lang="en-US" sz="4000" dirty="0" smtClean="0"/>
+              <a:t>your search can’t </a:t>
+            </a:r>
+            <a:r>
+              <a:rPr lang="en-US" sz="4000" dirty="0"/>
+              <a:t>succeed </a:t>
+            </a:r>
+            <a:endParaRPr lang="en-US" sz="4000" dirty="0" smtClean="0"/>
+          </a:p>
+          <a:p>
+            <a:r>
+              <a:rPr lang="en-US" sz="4000" dirty="0" smtClean="0"/>
+              <a:t>because the formula is not valid.</a:t>
+            </a:r>
+            <a:endParaRPr lang="en-US" sz="4000" dirty="0"/>
+          </a:p>
+        </p:txBody>
+      </p:sp>
+    </p:spTree>
+    <p:extLst>
+      <p:ext uri="{BB962C8B-B14F-4D97-AF65-F5344CB8AC3E}">
+        <p14:creationId xmlns:p14="http://schemas.microsoft.com/office/powerpoint/2010/main" val="2204336762"/>
+      </p:ext>
+    </p:extLst>
+  </p:cSld>
+  <p:clrMapOvr>
+    <a:masterClrMapping/>
+  </p:clrMapOvr>
+  <mc:AlternateContent xmlns:mc="http://schemas.openxmlformats.org/markup-compatibility/2006">
+    <mc:Choice xmlns:p14="http://schemas.microsoft.com/office/powerpoint/2010/main" Requires="p14">
+      <p:transition spd="slow" p14:dur="800" advClick="0">
+        <p:fade/>
+      </p:transition>
+    </mc:Choice>
+    <mc:Fallback>
+      <p:transition xmlns:p14="http://schemas.microsoft.com/office/powerpoint/2010/main" spd="slow" advClick="0">
+        <p:fade/>
+      </p:transition>
+    </mc:Fallback>
+  </mc:AlternateContent>
+  <p:timing>
+    <p:tnLst>
+      <p:par>
+        <p:cTn xmlns:p14="http://schemas.microsoft.com/office/powerpoint/2010/main" id="1" dur="indefinite" restart="never" nodeType="tmRoot">
+          <p:childTnLst>
+            <p:seq concurrent="1" nextAc="seek">
+              <p:cTn id="2" dur="indefinite" nodeType="mainSeq">
+                <p:childTnLst>
+                  <p:par>
+                    <p:cTn id="3" fill="hold">
+                      <p:stCondLst>
+                        <p:cond delay="indefinite"/>
+                      </p:stCondLst>
+                      <p:childTnLst>
+                        <p:par>
+                          <p:cTn id="4" fill="hold">
+                            <p:stCondLst>
+                              <p:cond delay="0"/>
+                            </p:stCondLst>
+                            <p:childTnLst>
+                              <p:par>
+                                <p:cTn id="5" presetID="10" presetClass="entr" presetSubtype="0" fill="hold" nodeType="clickEffect">
+                                  <p:stCondLst>
+                                    <p:cond delay="0"/>
+                                  </p:stCondLst>
+                                  <p:childTnLst>
+                                    <p:set>
+                                      <p:cBhvr>
+                                        <p:cTn id="6" dur="1" fill="hold">
+                                          <p:stCondLst>
+                                            <p:cond delay="0"/>
+                                          </p:stCondLst>
+                                        </p:cTn>
+                                        <p:tgtEl>
+                                          <p:spTgt spid="3">
+                                            <p:txEl>
+                                              <p:pRg st="5" end="5"/>
+                                            </p:txEl>
+                                          </p:spTgt>
+                                        </p:tgtEl>
+                                        <p:attrNameLst>
+                                          <p:attrName>style.visibility</p:attrName>
+                                        </p:attrNameLst>
+                                      </p:cBhvr>
+                                      <p:to>
+                                        <p:strVal val="visible"/>
+                                      </p:to>
+                                    </p:set>
+                                    <p:animEffect transition="in" filter="fade">
+                                      <p:cBhvr>
+                                        <p:cTn id="7" dur="500"/>
+                                        <p:tgtEl>
+                                          <p:spTgt spid="3">
+                                            <p:txEl>
+                                              <p:pRg st="5" end="5"/>
+                                            </p:txEl>
+                                          </p:spTgt>
+                                        </p:tgtEl>
+                                      </p:cBhvr>
+                                    </p:animEffect>
+                                  </p:childTnLst>
+                                </p:cTn>
+                              </p:par>
+                            </p:childTnLst>
+                          </p:cTn>
+                        </p:par>
+                      </p:childTnLst>
+                    </p:cTn>
+                  </p:par>
+                </p:childTnLst>
+              </p:cTn>
+              <p:prevCondLst>
+                <p:cond evt="onPrev" delay="0">
+                  <p:tgtEl>
+                    <p:sldTgt/>
+                  </p:tgtEl>
+                </p:cond>
+              </p:prevCondLst>
+              <p:nextCondLst>
+                <p:cond evt="onNext" delay="0">
+                  <p:tgtEl>
+                    <p:sldTgt/>
+                  </p:tgtEl>
+                </p:cond>
+              </p:nextCondLst>
+            </p:seq>
+          </p:childTnLst>
+        </p:cTn>
+      </p:par>
+    </p:tnLst>
+  </p:timing>
+</p:sld>
+</file>
+
+<file path=ppt/slides/slide8.xml><?xml version="1.0" encoding="utf-8"?>
+<p:sld xmlns:a="http://schemas.openxmlformats.org/drawingml/2006/main" xmlns:r="http://schemas.openxmlformats.org/officeDocument/2006/relationships" xmlns:p="http://schemas.openxmlformats.org/presentationml/2006/main">
+  <p:cSld>
+    <p:spTree>
+      <p:nvGrpSpPr>
+        <p:cNvPr id="1" name=""/>
+        <p:cNvGrpSpPr/>
+        <p:nvPr/>
+      </p:nvGrpSpPr>
+      <p:grpSpPr>
+        <a:xfrm>
+          <a:off x="0" y="0"/>
+          <a:ext cx="0" cy="0"/>
+          <a:chOff x="0" y="0"/>
+          <a:chExt cx="0" cy="0"/>
+        </a:xfrm>
+      </p:grpSpPr>
+      <p:sp>
+        <p:nvSpPr>
           <p:cNvPr id="123906" name="Rectangle 2"/>
           <p:cNvSpPr>
             <a:spLocks noGrp="1" noChangeArrowheads="1"/>
@@ -4274,8 +4893,8 @@
         </p:nvSpPr>
         <p:spPr>
           <a:xfrm>
-            <a:off x="223419" y="1681430"/>
-            <a:ext cx="8819161" cy="3598025"/>
+            <a:off x="0" y="1614345"/>
+            <a:ext cx="9143999" cy="4831165"/>
           </a:xfrm>
         </p:spPr>
         <p:txBody>
@@ -4283,32 +4902,94 @@
           <a:lstStyle/>
           <a:p>
             <a:r>
-              <a:rPr lang="en-US" sz="4000" dirty="0"/>
+              <a:rPr lang="en-US" sz="4800" dirty="0"/>
               <a:t>We won't </a:t>
             </a:r>
             <a:r>
-              <a:rPr lang="en-US" sz="4000" dirty="0" smtClean="0"/>
-              <a:t>prove Completeness.</a:t>
-            </a:r>
-          </a:p>
-          <a:p>
-            <a:r>
-              <a:rPr lang="en-US" sz="4000" dirty="0" smtClean="0"/>
-              <a:t>(Would take an extra lecture.)</a:t>
-            </a:r>
-          </a:p>
-          <a:p>
-            <a:r>
-              <a:rPr lang="en-US" sz="4000" dirty="0" smtClean="0"/>
-              <a:t>We will explain why Validity for</a:t>
-            </a:r>
-          </a:p>
-          <a:p>
-            <a:r>
-              <a:rPr lang="en-US" sz="4000" dirty="0" smtClean="0"/>
-              <a:t>Predicate calculus is so hard.</a:t>
-            </a:r>
-            <a:endParaRPr lang="en-US" sz="2800" dirty="0"/>
+              <a:rPr lang="en-US" sz="4800" dirty="0" smtClean="0"/>
+              <a:t>prove </a:t>
+            </a:r>
+            <a:r>
+              <a:rPr lang="en-US" sz="4800" dirty="0" smtClean="0"/>
+              <a:t>Completeness</a:t>
+            </a:r>
+            <a:r>
+              <a:rPr lang="en-US" sz="4800" dirty="0" smtClean="0"/>
+              <a:t>.</a:t>
+            </a:r>
+          </a:p>
+          <a:p>
+            <a:r>
+              <a:rPr lang="en-US" sz="4800" dirty="0" smtClean="0"/>
+              <a:t>(Would take </a:t>
+            </a:r>
+            <a:r>
+              <a:rPr lang="en-US" sz="4800" dirty="0" smtClean="0"/>
+              <a:t>a few lectures.</a:t>
+            </a:r>
+            <a:r>
+              <a:rPr lang="en-US" sz="4800" dirty="0" smtClean="0"/>
+              <a:t>)</a:t>
+            </a:r>
+          </a:p>
+          <a:p>
+            <a:r>
+              <a:rPr lang="en-US" sz="4800" dirty="0" smtClean="0"/>
+              <a:t>We will explain </a:t>
+            </a:r>
+            <a:r>
+              <a:rPr lang="en-US" sz="4800" dirty="0" smtClean="0"/>
+              <a:t>why</a:t>
+            </a:r>
+          </a:p>
+          <a:p>
+            <a:r>
+              <a:rPr lang="en-US" sz="5400" dirty="0" smtClean="0">
+                <a:solidFill>
+                  <a:srgbClr val="E416DE"/>
+                </a:solidFill>
+              </a:rPr>
+              <a:t>predicate </a:t>
+            </a:r>
+            <a:r>
+              <a:rPr lang="en-US" sz="5400" dirty="0" smtClean="0">
+                <a:solidFill>
+                  <a:srgbClr val="E416DE"/>
+                </a:solidFill>
+              </a:rPr>
+              <a:t>formula validity</a:t>
+            </a:r>
+            <a:r>
+              <a:rPr lang="en-US" sz="5400" dirty="0" smtClean="0">
+                <a:solidFill>
+                  <a:srgbClr val="E416DE"/>
+                </a:solidFill>
+              </a:rPr>
+              <a:t> </a:t>
+            </a:r>
+          </a:p>
+          <a:p>
+            <a:r>
+              <a:rPr lang="en-US" sz="5400" dirty="0" smtClean="0">
+                <a:solidFill>
+                  <a:srgbClr val="E416DE"/>
+                </a:solidFill>
+              </a:rPr>
+              <a:t>is </a:t>
+            </a:r>
+            <a:r>
+              <a:rPr lang="en-US" sz="5400" dirty="0" err="1" smtClean="0">
+                <a:solidFill>
+                  <a:srgbClr val="E416DE"/>
+                </a:solidFill>
+              </a:rPr>
+              <a:t>undecidable</a:t>
+            </a:r>
+            <a:endParaRPr lang="en-US" sz="5400" dirty="0">
+              <a:solidFill>
+                <a:srgbClr val="E416DE"/>
+              </a:solidFill>
+            </a:endParaRPr>
           </a:p>
         </p:txBody>
       </p:sp>
@@ -4339,7 +5020,7 @@
 </p:sld>
 </file>
 
-<file path=ppt/slides/slide7.xml><?xml version="1.0" encoding="utf-8"?>
+<file path=ppt/slides/slide9.xml><?xml version="1.0" encoding="utf-8"?>
 <p:sld xmlns:a="http://schemas.openxmlformats.org/drawingml/2006/main" xmlns:r="http://schemas.openxmlformats.org/officeDocument/2006/relationships" xmlns:p="http://schemas.openxmlformats.org/presentationml/2006/main" show="0">
   <p:cSld>
     <p:spTree>

--- a/spring16/slidesS16/predicate-logic4.pptx
+++ b/spring16/slidesS16/predicate-logic4.pptx
@@ -2831,33 +2831,15 @@
                                   </p:childTnLst>
                                 </p:cTn>
                               </p:par>
-                            </p:childTnLst>
-                          </p:cTn>
-                        </p:par>
-                      </p:childTnLst>
-                    </p:cTn>
-                  </p:par>
-                  <p:par>
-                    <p:cTn id="8" fill="hold">
-                      <p:stCondLst>
-                        <p:cond delay="indefinite"/>
-                      </p:stCondLst>
-                      <p:childTnLst>
-                        <p:par>
-                          <p:cTn id="9" fill="hold">
-                            <p:stCondLst>
-                              <p:cond delay="0"/>
-                            </p:stCondLst>
-                            <p:childTnLst>
                               <p:par>
-                                <p:cTn id="10" presetID="9" presetClass="entr" presetSubtype="0" fill="hold" grpId="0" nodeType="clickEffect">
+                                <p:cTn id="8" presetID="9" presetClass="entr" presetSubtype="0" fill="hold" grpId="0" nodeType="withEffect">
                                   <p:stCondLst>
                                     <p:cond delay="0"/>
                                   </p:stCondLst>
                                   <p:childTnLst>
                                     <p:set>
                                       <p:cBhvr>
-                                        <p:cTn id="11" dur="1" fill="hold">
+                                        <p:cTn id="9" dur="1" fill="hold">
                                           <p:stCondLst>
                                             <p:cond delay="0"/>
                                           </p:stCondLst>
@@ -2879,7 +2861,7 @@
                                     </p:set>
                                     <p:animEffect transition="in" filter="dissolve">
                                       <p:cBhvr>
-                                        <p:cTn id="12" dur="500"/>
+                                        <p:cTn id="10" dur="500"/>
                                         <p:tgtEl>
                                           <p:spTgt spid="2">
                                             <p:txEl>
@@ -3365,62 +3347,26 @@
               <a:rPr lang="en-US" sz="4800" dirty="0" smtClean="0">
                 <a:latin typeface="Comic Sans MS" pitchFamily="66" charset="0"/>
               </a:rPr>
-              <a:t>A simple proof system to prove all valid predicate </a:t>
-            </a:r>
+              <a:t>A simple proof system to prove all valid predicate formulas</a:t>
+            </a:r>
+            <a:endParaRPr lang="en-US" sz="4400" dirty="0">
+              <a:latin typeface="Comic Sans MS" pitchFamily="66" charset="0"/>
+            </a:endParaRPr>
+          </a:p>
+          <a:p>
             <a:r>
               <a:rPr lang="en-US" sz="4800" dirty="0" smtClean="0">
                 <a:latin typeface="Comic Sans MS" pitchFamily="66" charset="0"/>
               </a:rPr>
-              <a:t>formulas</a:t>
-            </a:r>
-            <a:endParaRPr lang="en-US" sz="4400" dirty="0">
-              <a:latin typeface="Comic Sans MS" pitchFamily="66" charset="0"/>
-            </a:endParaRPr>
+              <a:t>…in theory </a:t>
+            </a:r>
           </a:p>
           <a:p>
             <a:r>
               <a:rPr lang="en-US" sz="4800" dirty="0" smtClean="0">
                 <a:latin typeface="Comic Sans MS" pitchFamily="66" charset="0"/>
               </a:rPr>
-              <a:t>…in theory</a:t>
-            </a:r>
-            <a:r>
-              <a:rPr lang="en-US" sz="4800" dirty="0" smtClean="0">
-                <a:latin typeface="Comic Sans MS" pitchFamily="66" charset="0"/>
-              </a:rPr>
-              <a:t> </a:t>
-            </a:r>
-          </a:p>
-          <a:p>
-            <a:r>
-              <a:rPr lang="en-US" sz="4800" dirty="0" smtClean="0">
-                <a:latin typeface="Comic Sans MS" pitchFamily="66" charset="0"/>
-              </a:rPr>
-              <a:t>  i</a:t>
-            </a:r>
-            <a:r>
-              <a:rPr lang="en-US" sz="4800" dirty="0" smtClean="0">
-                <a:latin typeface="Comic Sans MS" pitchFamily="66" charset="0"/>
-              </a:rPr>
-              <a:t>n </a:t>
-            </a:r>
-            <a:r>
-              <a:rPr lang="en-US" sz="4800" dirty="0" smtClean="0">
-                <a:latin typeface="Comic Sans MS" pitchFamily="66" charset="0"/>
-              </a:rPr>
-              <a:t>practice </a:t>
-            </a:r>
-            <a:r>
-              <a:rPr lang="en-US" sz="4800" dirty="0" smtClean="0">
-                <a:latin typeface="Comic Sans MS" pitchFamily="66" charset="0"/>
-              </a:rPr>
-              <a:t>need</a:t>
-            </a:r>
-            <a:r>
-              <a:rPr lang="en-US" sz="4800" dirty="0" smtClean="0">
-                <a:latin typeface="Comic Sans MS" pitchFamily="66" charset="0"/>
-              </a:rPr>
-              <a:t> many rules</a:t>
+              <a:t>  in practice need many rules</a:t>
             </a:r>
             <a:endParaRPr lang="en-US" sz="4800" dirty="0">
               <a:latin typeface="Comic Sans MS" pitchFamily="66" charset="0"/>
@@ -3830,23 +3776,7 @@
                   <a:srgbClr val="0000FF"/>
                 </a:solidFill>
               </a:rPr>
-              <a:t>Modus </a:t>
-            </a:r>
-            <a:r>
-              <a:rPr lang="en-US" sz="5400" dirty="0" smtClean="0">
-                <a:solidFill>
-                  <a:srgbClr val="0000FF"/>
-                </a:solidFill>
-              </a:rPr>
-              <a:t>P</a:t>
-            </a:r>
-            <a:r>
-              <a:rPr lang="en-US" sz="5400" dirty="0" smtClean="0">
-                <a:solidFill>
-                  <a:srgbClr val="0000FF"/>
-                </a:solidFill>
-              </a:rPr>
-              <a:t>onens</a:t>
+              <a:t>Modus Ponens</a:t>
             </a:r>
           </a:p>
           <a:p>
@@ -4111,16 +4041,11 @@
               <a:rPr lang="en-US" sz="4800" dirty="0" smtClean="0"/>
               <a:t>to determine </a:t>
             </a:r>
-            <a:endParaRPr lang="en-US" sz="4800" dirty="0" smtClean="0"/>
           </a:p>
           <a:p>
             <a:r>
               <a:rPr lang="en-US" sz="4800" dirty="0" smtClean="0"/>
-              <a:t>validity </a:t>
-            </a:r>
-            <a:r>
-              <a:rPr lang="en-US" sz="4800" dirty="0" smtClean="0"/>
-              <a:t>of </a:t>
+              <a:t>validity of </a:t>
             </a:r>
             <a:r>
               <a:rPr lang="en-US" sz="4800" dirty="0" err="1" smtClean="0"/>
@@ -4135,11 +4060,7 @@
           <a:p>
             <a:r>
               <a:rPr lang="en-US" sz="4800" dirty="0" smtClean="0"/>
-              <a:t>-- in </a:t>
-            </a:r>
-            <a:r>
-              <a:rPr lang="en-US" sz="4800" dirty="0" smtClean="0"/>
-              <a:t>contrast </a:t>
+              <a:t>-- in contrast </a:t>
             </a:r>
             <a:r>
               <a:rPr lang="en-US" sz="4800" dirty="0"/>
@@ -4184,7 +4105,7 @@
                             </p:stCondLst>
                             <p:childTnLst>
                               <p:par>
-                                <p:cTn id="5" presetID="15" presetClass="entr" presetSubtype="0" fill="hold" grpId="0" nodeType="clickEffect">
+                                <p:cTn id="5" presetID="10" presetClass="entr" presetSubtype="0" fill="hold" nodeType="clickEffect">
                                   <p:stCondLst>
                                     <p:cond delay="0"/>
                                   </p:stCondLst>
@@ -4192,6 +4113,110 @@
                                     <p:set>
                                       <p:cBhvr>
                                         <p:cTn id="6" dur="1" fill="hold">
+                                          <p:stCondLst>
+                                            <p:cond delay="0"/>
+                                          </p:stCondLst>
+                                        </p:cTn>
+                                        <p:tgtEl>
+                                          <p:spTgt spid="121859">
+                                            <p:txEl>
+                                              <p:pRg st="3" end="3"/>
+                                            </p:txEl>
+                                          </p:spTgt>
+                                        </p:tgtEl>
+                                        <p:attrNameLst>
+                                          <p:attrName>style.visibility</p:attrName>
+                                        </p:attrNameLst>
+                                      </p:cBhvr>
+                                      <p:to>
+                                        <p:strVal val="visible"/>
+                                      </p:to>
+                                    </p:set>
+                                    <p:animEffect transition="in" filter="fade">
+                                      <p:cBhvr>
+                                        <p:cTn id="7" dur="500"/>
+                                        <p:tgtEl>
+                                          <p:spTgt spid="121859">
+                                            <p:txEl>
+                                              <p:pRg st="3" end="3"/>
+                                            </p:txEl>
+                                          </p:spTgt>
+                                        </p:tgtEl>
+                                      </p:cBhvr>
+                                    </p:animEffect>
+                                  </p:childTnLst>
+                                </p:cTn>
+                              </p:par>
+                              <p:par>
+                                <p:cTn id="8" presetID="10" presetClass="entr" presetSubtype="0" fill="hold" nodeType="withEffect">
+                                  <p:stCondLst>
+                                    <p:cond delay="0"/>
+                                  </p:stCondLst>
+                                  <p:childTnLst>
+                                    <p:set>
+                                      <p:cBhvr>
+                                        <p:cTn id="9" dur="1" fill="hold">
+                                          <p:stCondLst>
+                                            <p:cond delay="0"/>
+                                          </p:stCondLst>
+                                        </p:cTn>
+                                        <p:tgtEl>
+                                          <p:spTgt spid="121859">
+                                            <p:txEl>
+                                              <p:pRg st="4" end="4"/>
+                                            </p:txEl>
+                                          </p:spTgt>
+                                        </p:tgtEl>
+                                        <p:attrNameLst>
+                                          <p:attrName>style.visibility</p:attrName>
+                                        </p:attrNameLst>
+                                      </p:cBhvr>
+                                      <p:to>
+                                        <p:strVal val="visible"/>
+                                      </p:to>
+                                    </p:set>
+                                    <p:animEffect transition="in" filter="fade">
+                                      <p:cBhvr>
+                                        <p:cTn id="10" dur="500"/>
+                                        <p:tgtEl>
+                                          <p:spTgt spid="121859">
+                                            <p:txEl>
+                                              <p:pRg st="4" end="4"/>
+                                            </p:txEl>
+                                          </p:spTgt>
+                                        </p:tgtEl>
+                                      </p:cBhvr>
+                                    </p:animEffect>
+                                  </p:childTnLst>
+                                </p:cTn>
+                              </p:par>
+                            </p:childTnLst>
+                          </p:cTn>
+                        </p:par>
+                      </p:childTnLst>
+                    </p:cTn>
+                  </p:par>
+                  <p:par>
+                    <p:cTn id="11" fill="hold">
+                      <p:stCondLst>
+                        <p:cond delay="indefinite"/>
+                      </p:stCondLst>
+                      <p:childTnLst>
+                        <p:par>
+                          <p:cTn id="12" fill="hold">
+                            <p:stCondLst>
+                              <p:cond delay="0"/>
+                            </p:stCondLst>
+                            <p:childTnLst>
+                              <p:par>
+                                <p:cTn id="13" presetID="15" presetClass="entr" presetSubtype="0" fill="hold" grpId="0" nodeType="clickEffect">
+                                  <p:stCondLst>
+                                    <p:cond delay="0"/>
+                                  </p:stCondLst>
+                                  <p:childTnLst>
+                                    <p:set>
+                                      <p:cBhvr>
+                                        <p:cTn id="14" dur="1" fill="hold">
                                           <p:stCondLst>
                                             <p:cond delay="0"/>
                                           </p:stCondLst>
@@ -4209,7 +4234,7 @@
                                     </p:set>
                                     <p:anim calcmode="lin" valueType="num">
                                       <p:cBhvr>
-                                        <p:cTn id="7" dur="1000" fill="hold"/>
+                                        <p:cTn id="15" dur="1000" fill="hold"/>
                                         <p:tgtEl>
                                           <p:spTgt spid="121858"/>
                                         </p:tgtEl>
@@ -4232,7 +4257,7 @@
                                     </p:anim>
                                     <p:anim calcmode="lin" valueType="num">
                                       <p:cBhvr>
-                                        <p:cTn id="8" dur="1000" fill="hold"/>
+                                        <p:cTn id="16" dur="1000" fill="hold"/>
                                         <p:tgtEl>
                                           <p:spTgt spid="121858"/>
                                         </p:tgtEl>
@@ -4255,7 +4280,7 @@
                                     </p:anim>
                                     <p:anim calcmode="lin" valueType="num">
                                       <p:cBhvr>
-                                        <p:cTn id="9" dur="1000" fill="hold"/>
+                                        <p:cTn id="17" dur="1000" fill="hold"/>
                                         <p:tgtEl>
                                           <p:spTgt spid="121858"/>
                                         </p:tgtEl>
@@ -4278,7 +4303,7 @@
                                     </p:anim>
                                     <p:anim calcmode="lin" valueType="num">
                                       <p:cBhvr>
-                                        <p:cTn id="10" dur="1000" fill="hold"/>
+                                        <p:cTn id="18" dur="1000" fill="hold"/>
                                         <p:tgtEl>
                                           <p:spTgt spid="121858"/>
                                         </p:tgtEl>
@@ -4299,110 +4324,6 @@
                                         </p:tav>
                                       </p:tavLst>
                                     </p:anim>
-                                  </p:childTnLst>
-                                </p:cTn>
-                              </p:par>
-                            </p:childTnLst>
-                          </p:cTn>
-                        </p:par>
-                      </p:childTnLst>
-                    </p:cTn>
-                  </p:par>
-                  <p:par>
-                    <p:cTn id="11" fill="hold">
-                      <p:stCondLst>
-                        <p:cond delay="indefinite"/>
-                      </p:stCondLst>
-                      <p:childTnLst>
-                        <p:par>
-                          <p:cTn id="12" fill="hold">
-                            <p:stCondLst>
-                              <p:cond delay="0"/>
-                            </p:stCondLst>
-                            <p:childTnLst>
-                              <p:par>
-                                <p:cTn id="13" presetID="10" presetClass="entr" presetSubtype="0" fill="hold" nodeType="clickEffect">
-                                  <p:stCondLst>
-                                    <p:cond delay="0"/>
-                                  </p:stCondLst>
-                                  <p:childTnLst>
-                                    <p:set>
-                                      <p:cBhvr>
-                                        <p:cTn id="14" dur="1" fill="hold">
-                                          <p:stCondLst>
-                                            <p:cond delay="0"/>
-                                          </p:stCondLst>
-                                        </p:cTn>
-                                        <p:tgtEl>
-                                          <p:spTgt spid="121859">
-                                            <p:txEl>
-                                              <p:pRg st="3" end="3"/>
-                                            </p:txEl>
-                                          </p:spTgt>
-                                        </p:tgtEl>
-                                        <p:attrNameLst>
-                                          <p:attrName>style.visibility</p:attrName>
-                                        </p:attrNameLst>
-                                      </p:cBhvr>
-                                      <p:to>
-                                        <p:strVal val="visible"/>
-                                      </p:to>
-                                    </p:set>
-                                    <p:animEffect transition="in" filter="fade">
-                                      <p:cBhvr>
-                                        <p:cTn id="15" dur="500"/>
-                                        <p:tgtEl>
-                                          <p:spTgt spid="121859">
-                                            <p:txEl>
-                                              <p:pRg st="3" end="3"/>
-                                            </p:txEl>
-                                          </p:spTgt>
-                                        </p:tgtEl>
-                                      </p:cBhvr>
-                                    </p:animEffect>
-                                  </p:childTnLst>
-                                </p:cTn>
-                              </p:par>
-                              <p:par>
-                                <p:cTn id="16" presetID="10" presetClass="entr" presetSubtype="0" fill="hold" nodeType="withEffect">
-                                  <p:stCondLst>
-                                    <p:cond delay="0"/>
-                                  </p:stCondLst>
-                                  <p:childTnLst>
-                                    <p:set>
-                                      <p:cBhvr>
-                                        <p:cTn id="17" dur="1" fill="hold">
-                                          <p:stCondLst>
-                                            <p:cond delay="0"/>
-                                          </p:stCondLst>
-                                        </p:cTn>
-                                        <p:tgtEl>
-                                          <p:spTgt spid="121859">
-                                            <p:txEl>
-                                              <p:pRg st="4" end="4"/>
-                                            </p:txEl>
-                                          </p:spTgt>
-                                        </p:tgtEl>
-                                        <p:attrNameLst>
-                                          <p:attrName>style.visibility</p:attrName>
-                                        </p:attrNameLst>
-                                      </p:cBhvr>
-                                      <p:to>
-                                        <p:strVal val="visible"/>
-                                      </p:to>
-                                    </p:set>
-                                    <p:animEffect transition="in" filter="fade">
-                                      <p:cBhvr>
-                                        <p:cTn id="18" dur="500"/>
-                                        <p:tgtEl>
-                                          <p:spTgt spid="121859">
-                                            <p:txEl>
-                                              <p:pRg st="4" end="4"/>
-                                            </p:txEl>
-                                          </p:spTgt>
-                                        </p:tgtEl>
-                                      </p:cBhvr>
-                                    </p:animEffect>
                                   </p:childTnLst>
                                 </p:cTn>
                               </p:par>
@@ -4508,7 +4429,15 @@
           <a:p>
             <a:r>
               <a:rPr lang="en-US" sz="4000" dirty="0" smtClean="0"/>
-              <a:t>will discover that when it is valid </a:t>
+              <a:t>will discover </a:t>
+            </a:r>
+            <a:r>
+              <a:rPr lang="en-US" sz="4000" dirty="0" smtClean="0"/>
+              <a:t>that </a:t>
+            </a:r>
+            <a:r>
+              <a:rPr lang="en-US" sz="4000" dirty="0" smtClean="0"/>
+              <a:t>it is valid </a:t>
             </a:r>
           </a:p>
           <a:p>
@@ -4690,7 +4619,19 @@
           <a:p>
             <a:r>
               <a:rPr lang="en-US" sz="4000" dirty="0" smtClean="0"/>
-              <a:t>will discover when it is valid </a:t>
+              <a:t>will discover </a:t>
+            </a:r>
+            <a:r>
+              <a:rPr lang="en-US" sz="4000" dirty="0" smtClean="0"/>
+              <a:t>that</a:t>
+            </a:r>
+            <a:r>
+              <a:rPr lang="en-US" sz="4000" dirty="0" smtClean="0"/>
+              <a:t> </a:t>
+            </a:r>
+            <a:r>
+              <a:rPr lang="en-US" sz="4000" dirty="0" smtClean="0"/>
+              <a:t>it is valid </a:t>
             </a:r>
           </a:p>
           <a:p>
@@ -4735,14 +4676,157 @@
   <p:clrMapOvr>
     <a:masterClrMapping/>
   </p:clrMapOvr>
-  <mc:AlternateContent xmlns:mc="http://schemas.openxmlformats.org/markup-compatibility/2006">
-    <mc:Choice xmlns:p14="http://schemas.microsoft.com/office/powerpoint/2010/main" Requires="p14">
+  <mc:AlternateContent xmlns:mc="http://schemas.openxmlformats.org/markup-compatibility/2006" xmlns:p14="http://schemas.microsoft.com/office/powerpoint/2010/main">
+    <mc:Choice Requires="p14">
       <p:transition spd="slow" p14:dur="800" advClick="0">
         <p:fade/>
       </p:transition>
     </mc:Choice>
-    <mc:Fallback>
+    <mc:Fallback xmlns="">
       <p:transition xmlns:p14="http://schemas.microsoft.com/office/powerpoint/2010/main" spd="slow" advClick="0">
+        <p:fade/>
+      </p:transition>
+    </mc:Fallback>
+  </mc:AlternateContent>
+  <p:timing>
+    <p:tnLst>
+      <p:par>
+        <p:cTn xmlns:p14="http://schemas.microsoft.com/office/powerpoint/2010/main" id="1" dur="indefinite" restart="never" nodeType="tmRoot"/>
+      </p:par>
+    </p:tnLst>
+  </p:timing>
+</p:sld>
+</file>
+
+<file path=ppt/slides/slide8.xml><?xml version="1.0" encoding="utf-8"?>
+<p:sld xmlns:a="http://schemas.openxmlformats.org/drawingml/2006/main" xmlns:r="http://schemas.openxmlformats.org/officeDocument/2006/relationships" xmlns:p="http://schemas.openxmlformats.org/presentationml/2006/main">
+  <p:cSld>
+    <p:spTree>
+      <p:nvGrpSpPr>
+        <p:cNvPr id="1" name=""/>
+        <p:cNvGrpSpPr/>
+        <p:nvPr/>
+      </p:nvGrpSpPr>
+      <p:grpSpPr>
+        <a:xfrm>
+          <a:off x="0" y="0"/>
+          <a:ext cx="0" cy="0"/>
+          <a:chOff x="0" y="0"/>
+          <a:chExt cx="0" cy="0"/>
+        </a:xfrm>
+      </p:grpSpPr>
+      <p:sp>
+        <p:nvSpPr>
+          <p:cNvPr id="123906" name="Rectangle 2"/>
+          <p:cNvSpPr>
+            <a:spLocks noGrp="1" noChangeArrowheads="1"/>
+          </p:cNvSpPr>
+          <p:nvPr>
+            <p:ph type="title"/>
+          </p:nvPr>
+        </p:nvSpPr>
+        <p:spPr/>
+        <p:txBody>
+          <a:bodyPr/>
+          <a:lstStyle/>
+          <a:p>
+            <a:r>
+              <a:rPr lang="en-US" sz="4000" dirty="0" smtClean="0"/>
+              <a:t>Profound Meta-Theorems</a:t>
+            </a:r>
+            <a:endParaRPr lang="en-US" sz="4000" dirty="0"/>
+          </a:p>
+        </p:txBody>
+      </p:sp>
+      <p:sp>
+        <p:nvSpPr>
+          <p:cNvPr id="123907" name="Rectangle 3"/>
+          <p:cNvSpPr>
+            <a:spLocks noGrp="1" noChangeArrowheads="1"/>
+          </p:cNvSpPr>
+          <p:nvPr>
+            <p:ph type="body" idx="1"/>
+          </p:nvPr>
+        </p:nvSpPr>
+        <p:spPr>
+          <a:xfrm>
+            <a:off x="0" y="1614345"/>
+            <a:ext cx="9143999" cy="4831165"/>
+          </a:xfrm>
+        </p:spPr>
+        <p:txBody>
+          <a:bodyPr/>
+          <a:lstStyle/>
+          <a:p>
+            <a:r>
+              <a:rPr lang="en-US" sz="4800" dirty="0"/>
+              <a:t>We won't </a:t>
+            </a:r>
+            <a:r>
+              <a:rPr lang="en-US" sz="4800" dirty="0" smtClean="0"/>
+              <a:t>prove Completeness.</a:t>
+            </a:r>
+          </a:p>
+          <a:p>
+            <a:r>
+              <a:rPr lang="en-US" sz="4800" dirty="0" smtClean="0"/>
+              <a:t>(Would take a few lectures.)</a:t>
+            </a:r>
+          </a:p>
+          <a:p>
+            <a:r>
+              <a:rPr lang="en-US" sz="4800" dirty="0" smtClean="0"/>
+              <a:t>We will explain why</a:t>
+            </a:r>
+          </a:p>
+          <a:p>
+            <a:r>
+              <a:rPr lang="en-US" sz="5400" dirty="0" smtClean="0">
+                <a:solidFill>
+                  <a:srgbClr val="E416DE"/>
+                </a:solidFill>
+              </a:rPr>
+              <a:t>predicate formula validity </a:t>
+            </a:r>
+          </a:p>
+          <a:p>
+            <a:r>
+              <a:rPr lang="en-US" sz="5400" dirty="0" smtClean="0">
+                <a:solidFill>
+                  <a:srgbClr val="E416DE"/>
+                </a:solidFill>
+              </a:rPr>
+              <a:t>is </a:t>
+            </a:r>
+            <a:r>
+              <a:rPr lang="en-US" sz="5400" dirty="0" err="1" smtClean="0">
+                <a:solidFill>
+                  <a:srgbClr val="E416DE"/>
+                </a:solidFill>
+              </a:rPr>
+              <a:t>undecidable</a:t>
+            </a:r>
+            <a:endParaRPr lang="en-US" sz="5400" dirty="0">
+              <a:solidFill>
+                <a:srgbClr val="E416DE"/>
+              </a:solidFill>
+            </a:endParaRPr>
+          </a:p>
+        </p:txBody>
+      </p:sp>
+    </p:spTree>
+  </p:cSld>
+  <p:clrMapOvr>
+    <a:masterClrMapping/>
+  </p:clrMapOvr>
+  <mc:AlternateContent xmlns:mc="http://schemas.openxmlformats.org/markup-compatibility/2006" xmlns:p14="http://schemas.microsoft.com/office/powerpoint/2010/main">
+    <mc:Choice Requires="p14">
+      <p:transition spd="med" p14:dur="700">
+        <p:fade/>
+      </p:transition>
+    </mc:Choice>
+    <mc:Fallback xmlns="">
+      <p:transition xmlns:p14="http://schemas.microsoft.com/office/powerpoint/2010/main" spd="med">
         <p:fade/>
       </p:transition>
     </mc:Fallback>
@@ -4781,9 +4865,9 @@
                                           </p:stCondLst>
                                         </p:cTn>
                                         <p:tgtEl>
-                                          <p:spTgt spid="3">
+                                          <p:spTgt spid="123907">
                                             <p:txEl>
-                                              <p:pRg st="5" end="5"/>
+                                              <p:pRg st="2" end="2"/>
                                             </p:txEl>
                                           </p:spTgt>
                                         </p:tgtEl>
@@ -4799,9 +4883,95 @@
                                       <p:cBhvr>
                                         <p:cTn id="7" dur="500"/>
                                         <p:tgtEl>
-                                          <p:spTgt spid="3">
+                                          <p:spTgt spid="123907">
                                             <p:txEl>
-                                              <p:pRg st="5" end="5"/>
+                                              <p:pRg st="2" end="2"/>
+                                            </p:txEl>
+                                          </p:spTgt>
+                                        </p:tgtEl>
+                                      </p:cBhvr>
+                                    </p:animEffect>
+                                  </p:childTnLst>
+                                </p:cTn>
+                              </p:par>
+                              <p:par>
+                                <p:cTn id="8" presetID="10" presetClass="entr" presetSubtype="0" fill="hold" nodeType="withEffect">
+                                  <p:stCondLst>
+                                    <p:cond delay="0"/>
+                                  </p:stCondLst>
+                                  <p:childTnLst>
+                                    <p:set>
+                                      <p:cBhvr>
+                                        <p:cTn id="9" dur="1" fill="hold">
+                                          <p:stCondLst>
+                                            <p:cond delay="0"/>
+                                          </p:stCondLst>
+                                        </p:cTn>
+                                        <p:tgtEl>
+                                          <p:spTgt spid="123907">
+                                            <p:txEl>
+                                              <p:pRg st="3" end="3"/>
+                                            </p:txEl>
+                                          </p:spTgt>
+                                        </p:tgtEl>
+                                        <p:attrNameLst>
+                                          <p:attrName>style.visibility</p:attrName>
+                                        </p:attrNameLst>
+                                      </p:cBhvr>
+                                      <p:to>
+                                        <p:strVal val="visible"/>
+                                      </p:to>
+                                    </p:set>
+                                    <p:animEffect transition="in" filter="fade">
+                                      <p:cBhvr>
+                                        <p:cTn id="10" dur="500"/>
+                                        <p:tgtEl>
+                                          <p:spTgt spid="123907">
+                                            <p:txEl>
+                                              <p:pRg st="3" end="3"/>
+                                            </p:txEl>
+                                          </p:spTgt>
+                                        </p:tgtEl>
+                                      </p:cBhvr>
+                                    </p:animEffect>
+                                  </p:childTnLst>
+                                </p:cTn>
+                              </p:par>
+                              <p:par>
+                                <p:cTn id="11" presetID="10" presetClass="entr" presetSubtype="0" fill="hold" nodeType="withEffect">
+                                  <p:stCondLst>
+                                    <p:cond delay="0"/>
+                                  </p:stCondLst>
+                                  <p:childTnLst>
+                                    <p:set>
+                                      <p:cBhvr>
+                                        <p:cTn id="12" dur="1" fill="hold">
+                                          <p:stCondLst>
+                                            <p:cond delay="0"/>
+                                          </p:stCondLst>
+                                        </p:cTn>
+                                        <p:tgtEl>
+                                          <p:spTgt spid="123907">
+                                            <p:txEl>
+                                              <p:pRg st="4" end="4"/>
+                                            </p:txEl>
+                                          </p:spTgt>
+                                        </p:tgtEl>
+                                        <p:attrNameLst>
+                                          <p:attrName>style.visibility</p:attrName>
+                                        </p:attrNameLst>
+                                      </p:cBhvr>
+                                      <p:to>
+                                        <p:strVal val="visible"/>
+                                      </p:to>
+                                    </p:set>
+                                    <p:animEffect transition="in" filter="fade">
+                                      <p:cBhvr>
+                                        <p:cTn id="13" dur="500"/>
+                                        <p:tgtEl>
+                                          <p:spTgt spid="123907">
+                                            <p:txEl>
+                                              <p:pRg st="4" end="4"/>
                                             </p:txEl>
                                           </p:spTgt>
                                         </p:tgtEl>
@@ -4835,185 +5005,6 @@
             </p:seq>
           </p:childTnLst>
         </p:cTn>
-      </p:par>
-    </p:tnLst>
-  </p:timing>
-</p:sld>
-</file>
-
-<file path=ppt/slides/slide8.xml><?xml version="1.0" encoding="utf-8"?>
-<p:sld xmlns:a="http://schemas.openxmlformats.org/drawingml/2006/main" xmlns:r="http://schemas.openxmlformats.org/officeDocument/2006/relationships" xmlns:p="http://schemas.openxmlformats.org/presentationml/2006/main">
-  <p:cSld>
-    <p:spTree>
-      <p:nvGrpSpPr>
-        <p:cNvPr id="1" name=""/>
-        <p:cNvGrpSpPr/>
-        <p:nvPr/>
-      </p:nvGrpSpPr>
-      <p:grpSpPr>
-        <a:xfrm>
-          <a:off x="0" y="0"/>
-          <a:ext cx="0" cy="0"/>
-          <a:chOff x="0" y="0"/>
-          <a:chExt cx="0" cy="0"/>
-        </a:xfrm>
-      </p:grpSpPr>
-      <p:sp>
-        <p:nvSpPr>
-          <p:cNvPr id="123906" name="Rectangle 2"/>
-          <p:cNvSpPr>
-            <a:spLocks noGrp="1" noChangeArrowheads="1"/>
-          </p:cNvSpPr>
-          <p:nvPr>
-            <p:ph type="title"/>
-          </p:nvPr>
-        </p:nvSpPr>
-        <p:spPr/>
-        <p:txBody>
-          <a:bodyPr/>
-          <a:lstStyle/>
-          <a:p>
-            <a:r>
-              <a:rPr lang="en-US" sz="4000" dirty="0" smtClean="0"/>
-              <a:t>Profound Meta-Theorems</a:t>
-            </a:r>
-            <a:endParaRPr lang="en-US" sz="4000" dirty="0"/>
-          </a:p>
-        </p:txBody>
-      </p:sp>
-      <p:sp>
-        <p:nvSpPr>
-          <p:cNvPr id="123907" name="Rectangle 3"/>
-          <p:cNvSpPr>
-            <a:spLocks noGrp="1" noChangeArrowheads="1"/>
-          </p:cNvSpPr>
-          <p:nvPr>
-            <p:ph type="body" idx="1"/>
-          </p:nvPr>
-        </p:nvSpPr>
-        <p:spPr>
-          <a:xfrm>
-            <a:off x="0" y="1614345"/>
-            <a:ext cx="9143999" cy="4831165"/>
-          </a:xfrm>
-        </p:spPr>
-        <p:txBody>
-          <a:bodyPr/>
-          <a:lstStyle/>
-          <a:p>
-            <a:r>
-              <a:rPr lang="en-US" sz="4800" dirty="0"/>
-              <a:t>We won't </a:t>
-            </a:r>
-            <a:r>
-              <a:rPr lang="en-US" sz="4800" dirty="0" smtClean="0"/>
-              <a:t>prove </a:t>
-            </a:r>
-            <a:r>
-              <a:rPr lang="en-US" sz="4800" dirty="0" smtClean="0"/>
-              <a:t>Completeness</a:t>
-            </a:r>
-            <a:r>
-              <a:rPr lang="en-US" sz="4800" dirty="0" smtClean="0"/>
-              <a:t>.</a:t>
-            </a:r>
-          </a:p>
-          <a:p>
-            <a:r>
-              <a:rPr lang="en-US" sz="4800" dirty="0" smtClean="0"/>
-              <a:t>(Would take </a:t>
-            </a:r>
-            <a:r>
-              <a:rPr lang="en-US" sz="4800" dirty="0" smtClean="0"/>
-              <a:t>a few lectures.</a:t>
-            </a:r>
-            <a:r>
-              <a:rPr lang="en-US" sz="4800" dirty="0" smtClean="0"/>
-              <a:t>)</a:t>
-            </a:r>
-          </a:p>
-          <a:p>
-            <a:r>
-              <a:rPr lang="en-US" sz="4800" dirty="0" smtClean="0"/>
-              <a:t>We will explain </a:t>
-            </a:r>
-            <a:r>
-              <a:rPr lang="en-US" sz="4800" dirty="0" smtClean="0"/>
-              <a:t>why</a:t>
-            </a:r>
-          </a:p>
-          <a:p>
-            <a:r>
-              <a:rPr lang="en-US" sz="5400" dirty="0" smtClean="0">
-                <a:solidFill>
-                  <a:srgbClr val="E416DE"/>
-                </a:solidFill>
-              </a:rPr>
-              <a:t>predicate </a:t>
-            </a:r>
-            <a:r>
-              <a:rPr lang="en-US" sz="5400" dirty="0" smtClean="0">
-                <a:solidFill>
-                  <a:srgbClr val="E416DE"/>
-                </a:solidFill>
-              </a:rPr>
-              <a:t>formula validity</a:t>
-            </a:r>
-            <a:r>
-              <a:rPr lang="en-US" sz="5400" dirty="0" smtClean="0">
-                <a:solidFill>
-                  <a:srgbClr val="E416DE"/>
-                </a:solidFill>
-              </a:rPr>
-              <a:t> </a:t>
-            </a:r>
-          </a:p>
-          <a:p>
-            <a:r>
-              <a:rPr lang="en-US" sz="5400" dirty="0" smtClean="0">
-                <a:solidFill>
-                  <a:srgbClr val="E416DE"/>
-                </a:solidFill>
-              </a:rPr>
-              <a:t>is </a:t>
-            </a:r>
-            <a:r>
-              <a:rPr lang="en-US" sz="5400" dirty="0" err="1" smtClean="0">
-                <a:solidFill>
-                  <a:srgbClr val="E416DE"/>
-                </a:solidFill>
-              </a:rPr>
-              <a:t>undecidable</a:t>
-            </a:r>
-            <a:endParaRPr lang="en-US" sz="5400" dirty="0">
-              <a:solidFill>
-                <a:srgbClr val="E416DE"/>
-              </a:solidFill>
-            </a:endParaRPr>
-          </a:p>
-        </p:txBody>
-      </p:sp>
-    </p:spTree>
-  </p:cSld>
-  <p:clrMapOvr>
-    <a:masterClrMapping/>
-  </p:clrMapOvr>
-  <mc:AlternateContent xmlns:mc="http://schemas.openxmlformats.org/markup-compatibility/2006" xmlns:p14="http://schemas.microsoft.com/office/powerpoint/2010/main">
-    <mc:Choice Requires="p14">
-      <p:transition spd="med" p14:dur="700">
-        <p:fade/>
-      </p:transition>
-    </mc:Choice>
-    <mc:Fallback xmlns="">
-      <p:transition xmlns:p14="http://schemas.microsoft.com/office/powerpoint/2010/main" spd="med">
-        <p:fade/>
-      </p:transition>
-    </mc:Fallback>
-  </mc:AlternateContent>
-  <p:timing>
-    <p:tnLst>
-      <p:par>
-        <p:cTn xmlns:p14="http://schemas.microsoft.com/office/powerpoint/2010/main" id="1" dur="indefinite" restart="never" nodeType="tmRoot"/>
       </p:par>
     </p:tnLst>
   </p:timing>
